--- a/XX证券异常交易行为监控系统（storm+cep引擎）.pptx
+++ b/XX证券异常交易行为监控系统（storm+cep引擎）.pptx
@@ -1,32 +1,32 @@
 
 <file path=ppt/presentation.xml><?xml version="1.0" encoding="utf-8"?>
-<p:presentation xmlns:a="http://schemas.openxmlformats.org/drawingml/2006/main" xmlns:r="http://schemas.openxmlformats.org/officeDocument/2006/relationships" xmlns:p="http://schemas.openxmlformats.org/presentationml/2006/main">
+<p:presentation xmlns:a="http://schemas.openxmlformats.org/drawingml/2006/main" xmlns:r="http://schemas.openxmlformats.org/officeDocument/2006/relationships" xmlns:p="http://schemas.openxmlformats.org/presentationml/2006/main" saveSubsetFonts="1">
   <p:sldMasterIdLst>
     <p:sldMasterId id="2147483648" r:id="rId1"/>
   </p:sldMasterIdLst>
   <p:notesMasterIdLst>
-    <p:notesMasterId r:id="rId4"/>
+    <p:notesMasterId r:id="rId21"/>
   </p:notesMasterIdLst>
   <p:sldIdLst>
-    <p:sldId id="257" r:id="rId3"/>
-    <p:sldId id="258" r:id="rId5"/>
-    <p:sldId id="259" r:id="rId6"/>
-    <p:sldId id="260" r:id="rId7"/>
-    <p:sldId id="261" r:id="rId8"/>
-    <p:sldId id="262" r:id="rId9"/>
-    <p:sldId id="263" r:id="rId10"/>
-    <p:sldId id="264" r:id="rId11"/>
-    <p:sldId id="265" r:id="rId12"/>
-    <p:sldId id="266" r:id="rId13"/>
-    <p:sldId id="267" r:id="rId14"/>
-    <p:sldId id="268" r:id="rId15"/>
-    <p:sldId id="269" r:id="rId16"/>
-    <p:sldId id="270" r:id="rId17"/>
-    <p:sldId id="271" r:id="rId18"/>
-    <p:sldId id="272" r:id="rId19"/>
-    <p:sldId id="276" r:id="rId20"/>
-    <p:sldId id="277" r:id="rId21"/>
-    <p:sldId id="278" r:id="rId22"/>
+    <p:sldId id="257" r:id="rId2"/>
+    <p:sldId id="258" r:id="rId3"/>
+    <p:sldId id="259" r:id="rId4"/>
+    <p:sldId id="260" r:id="rId5"/>
+    <p:sldId id="261" r:id="rId6"/>
+    <p:sldId id="262" r:id="rId7"/>
+    <p:sldId id="263" r:id="rId8"/>
+    <p:sldId id="264" r:id="rId9"/>
+    <p:sldId id="265" r:id="rId10"/>
+    <p:sldId id="266" r:id="rId11"/>
+    <p:sldId id="267" r:id="rId12"/>
+    <p:sldId id="268" r:id="rId13"/>
+    <p:sldId id="269" r:id="rId14"/>
+    <p:sldId id="270" r:id="rId15"/>
+    <p:sldId id="271" r:id="rId16"/>
+    <p:sldId id="272" r:id="rId17"/>
+    <p:sldId id="276" r:id="rId18"/>
+    <p:sldId id="277" r:id="rId19"/>
+    <p:sldId id="278" r:id="rId20"/>
   </p:sldIdLst>
   <p:sldSz cx="12192000" cy="6858000"/>
   <p:notesSz cx="6858000" cy="9144000"/>
@@ -125,6 +125,11 @@
       </a:defRPr>
     </a:lvl9pPr>
   </p:defaultTextStyle>
+  <p:extLst>
+    <p:ext uri="{EFAFB233-063F-42B5-8137-9DF3F51BA10A}">
+      <p15:sldGuideLst xmlns:p15="http://schemas.microsoft.com/office/powerpoint/2012/main"/>
+    </p:ext>
+  </p:extLst>
 </p:presentation>
 </file>
 
@@ -210,6 +215,7 @@
           <a:p>
             <a:fld id="{D2A48B96-639E-45A3-A0BA-2464DFDB1FAA}" type="datetimeFigureOut">
               <a:rPr lang="zh-CN" altLang="en-US" smtClean="0"/>
+              <a:t>2017/2/22</a:t>
             </a:fld>
             <a:endParaRPr lang="zh-CN" altLang="en-US"/>
           </a:p>
@@ -276,7 +282,6 @@
               <a:rPr lang="zh-CN" altLang="en-US" smtClean="0"/>
               <a:t>单击此处编辑母版文本样式</a:t>
             </a:r>
-            <a:endParaRPr lang="zh-CN" altLang="en-US" smtClean="0"/>
           </a:p>
           <a:p>
             <a:pPr lvl="1"/>
@@ -284,7 +289,6 @@
               <a:rPr lang="zh-CN" altLang="en-US" smtClean="0"/>
               <a:t>第二级</a:t>
             </a:r>
-            <a:endParaRPr lang="zh-CN" altLang="en-US" smtClean="0"/>
           </a:p>
           <a:p>
             <a:pPr lvl="2"/>
@@ -292,7 +296,6 @@
               <a:rPr lang="zh-CN" altLang="en-US" smtClean="0"/>
               <a:t>第三级</a:t>
             </a:r>
-            <a:endParaRPr lang="zh-CN" altLang="en-US" smtClean="0"/>
           </a:p>
           <a:p>
             <a:pPr lvl="3"/>
@@ -300,7 +303,6 @@
               <a:rPr lang="zh-CN" altLang="en-US" smtClean="0"/>
               <a:t>第四级</a:t>
             </a:r>
-            <a:endParaRPr lang="zh-CN" altLang="en-US" smtClean="0"/>
           </a:p>
           <a:p>
             <a:pPr lvl="4"/>
@@ -372,12 +374,18 @@
           <a:p>
             <a:fld id="{A6837353-30EB-4A48-80EB-173D804AEFBD}" type="slidenum">
               <a:rPr lang="zh-CN" altLang="en-US" smtClean="0"/>
+              <a:t>‹#›</a:t>
             </a:fld>
             <a:endParaRPr lang="zh-CN" altLang="en-US"/>
           </a:p>
         </p:txBody>
       </p:sp>
     </p:spTree>
+    <p:extLst>
+      <p:ext uri="{BB962C8B-B14F-4D97-AF65-F5344CB8AC3E}">
+        <p14:creationId xmlns:p14="http://schemas.microsoft.com/office/powerpoint/2010/main" val="538903657"/>
+      </p:ext>
+    </p:extLst>
   </p:cSld>
   <p:clrMap bg1="lt1" tx1="dk1" bg2="lt2" tx2="dk2" accent1="accent1" accent2="accent2" accent3="accent3" accent4="accent4" accent5="accent5" accent6="accent6" hlink="hlink" folHlink="folHlink"/>
   <p:notesStyle>
@@ -551,12 +559,18 @@
             </a:pPr>
             <a:fld id="{ADC46116-ADA0-403A-B2E7-EA42C43B7B52}" type="slidenum">
               <a:rPr lang="zh-CN" altLang="en-US" smtClean="0"/>
+              <a:t>1</a:t>
             </a:fld>
             <a:endParaRPr lang="zh-CN" altLang="en-US" sz="1200"/>
           </a:p>
         </p:txBody>
       </p:sp>
     </p:spTree>
+    <p:extLst>
+      <p:ext uri="{BB962C8B-B14F-4D97-AF65-F5344CB8AC3E}">
+        <p14:creationId xmlns:p14="http://schemas.microsoft.com/office/powerpoint/2010/main" val="1415223800"/>
+      </p:ext>
+    </p:extLst>
   </p:cSld>
   <p:clrMapOvr>
     <a:masterClrMapping/>
@@ -640,12 +654,18 @@
             </a:pPr>
             <a:fld id="{ADC46116-ADA0-403A-B2E7-EA42C43B7B52}" type="slidenum">
               <a:rPr lang="zh-CN" altLang="en-US" smtClean="0"/>
+              <a:t>2</a:t>
             </a:fld>
             <a:endParaRPr lang="zh-CN" altLang="en-US" sz="1200"/>
           </a:p>
         </p:txBody>
       </p:sp>
     </p:spTree>
+    <p:extLst>
+      <p:ext uri="{BB962C8B-B14F-4D97-AF65-F5344CB8AC3E}">
+        <p14:creationId xmlns:p14="http://schemas.microsoft.com/office/powerpoint/2010/main" val="137532428"/>
+      </p:ext>
+    </p:extLst>
   </p:cSld>
   <p:clrMapOvr>
     <a:masterClrMapping/>
@@ -729,12 +749,18 @@
             </a:pPr>
             <a:fld id="{ADC46116-ADA0-403A-B2E7-EA42C43B7B52}" type="slidenum">
               <a:rPr lang="zh-CN" altLang="en-US" smtClean="0"/>
+              <a:t>11</a:t>
             </a:fld>
             <a:endParaRPr lang="zh-CN" altLang="en-US" sz="1200"/>
           </a:p>
         </p:txBody>
       </p:sp>
     </p:spTree>
+    <p:extLst>
+      <p:ext uri="{BB962C8B-B14F-4D97-AF65-F5344CB8AC3E}">
+        <p14:creationId xmlns:p14="http://schemas.microsoft.com/office/powerpoint/2010/main" val="809771555"/>
+      </p:ext>
+    </p:extLst>
   </p:cSld>
   <p:clrMapOvr>
     <a:masterClrMapping/>
@@ -873,6 +899,7 @@
           <a:p>
             <a:fld id="{D997B5FA-0921-464F-AAE1-844C04324D75}" type="datetimeFigureOut">
               <a:rPr lang="zh-CN" altLang="en-US" smtClean="0"/>
+              <a:t>2017/2/22</a:t>
             </a:fld>
             <a:endParaRPr lang="zh-CN" altLang="en-US"/>
           </a:p>
@@ -914,6 +941,7 @@
           <a:p>
             <a:fld id="{565CE74E-AB26-4998-AD42-012C4C1AD076}" type="slidenum">
               <a:rPr lang="zh-CN" altLang="en-US" smtClean="0"/>
+              <a:t>‹#›</a:t>
             </a:fld>
             <a:endParaRPr lang="zh-CN" altLang="en-US"/>
           </a:p>
@@ -987,7 +1015,6 @@
               <a:rPr lang="zh-CN" altLang="en-US" smtClean="0"/>
               <a:t>单击此处编辑母版文本样式</a:t>
             </a:r>
-            <a:endParaRPr lang="zh-CN" altLang="en-US" smtClean="0"/>
           </a:p>
           <a:p>
             <a:pPr lvl="1"/>
@@ -995,7 +1022,6 @@
               <a:rPr lang="zh-CN" altLang="en-US" smtClean="0"/>
               <a:t>第二级</a:t>
             </a:r>
-            <a:endParaRPr lang="zh-CN" altLang="en-US" smtClean="0"/>
           </a:p>
           <a:p>
             <a:pPr lvl="2"/>
@@ -1003,7 +1029,6 @@
               <a:rPr lang="zh-CN" altLang="en-US" smtClean="0"/>
               <a:t>第三级</a:t>
             </a:r>
-            <a:endParaRPr lang="zh-CN" altLang="en-US" smtClean="0"/>
           </a:p>
           <a:p>
             <a:pPr lvl="3"/>
@@ -1011,7 +1036,6 @@
               <a:rPr lang="zh-CN" altLang="en-US" smtClean="0"/>
               <a:t>第四级</a:t>
             </a:r>
-            <a:endParaRPr lang="zh-CN" altLang="en-US" smtClean="0"/>
           </a:p>
           <a:p>
             <a:pPr lvl="4"/>
@@ -1040,6 +1064,7 @@
           <a:p>
             <a:fld id="{D997B5FA-0921-464F-AAE1-844C04324D75}" type="datetimeFigureOut">
               <a:rPr lang="zh-CN" altLang="en-US" smtClean="0"/>
+              <a:t>2017/2/22</a:t>
             </a:fld>
             <a:endParaRPr lang="zh-CN" altLang="en-US"/>
           </a:p>
@@ -1081,6 +1106,7 @@
           <a:p>
             <a:fld id="{565CE74E-AB26-4998-AD42-012C4C1AD076}" type="slidenum">
               <a:rPr lang="zh-CN" altLang="en-US" smtClean="0"/>
+              <a:t>‹#›</a:t>
             </a:fld>
             <a:endParaRPr lang="zh-CN" altLang="en-US"/>
           </a:p>
@@ -1164,7 +1190,6 @@
               <a:rPr lang="zh-CN" altLang="en-US" smtClean="0"/>
               <a:t>单击此处编辑母版文本样式</a:t>
             </a:r>
-            <a:endParaRPr lang="zh-CN" altLang="en-US" smtClean="0"/>
           </a:p>
           <a:p>
             <a:pPr lvl="1"/>
@@ -1172,7 +1197,6 @@
               <a:rPr lang="zh-CN" altLang="en-US" smtClean="0"/>
               <a:t>第二级</a:t>
             </a:r>
-            <a:endParaRPr lang="zh-CN" altLang="en-US" smtClean="0"/>
           </a:p>
           <a:p>
             <a:pPr lvl="2"/>
@@ -1180,7 +1204,6 @@
               <a:rPr lang="zh-CN" altLang="en-US" smtClean="0"/>
               <a:t>第三级</a:t>
             </a:r>
-            <a:endParaRPr lang="zh-CN" altLang="en-US" smtClean="0"/>
           </a:p>
           <a:p>
             <a:pPr lvl="3"/>
@@ -1188,7 +1211,6 @@
               <a:rPr lang="zh-CN" altLang="en-US" smtClean="0"/>
               <a:t>第四级</a:t>
             </a:r>
-            <a:endParaRPr lang="zh-CN" altLang="en-US" smtClean="0"/>
           </a:p>
           <a:p>
             <a:pPr lvl="4"/>
@@ -1217,6 +1239,7 @@
           <a:p>
             <a:fld id="{D997B5FA-0921-464F-AAE1-844C04324D75}" type="datetimeFigureOut">
               <a:rPr lang="zh-CN" altLang="en-US" smtClean="0"/>
+              <a:t>2017/2/22</a:t>
             </a:fld>
             <a:endParaRPr lang="zh-CN" altLang="en-US"/>
           </a:p>
@@ -1258,6 +1281,7 @@
           <a:p>
             <a:fld id="{565CE74E-AB26-4998-AD42-012C4C1AD076}" type="slidenum">
               <a:rPr lang="zh-CN" altLang="en-US" smtClean="0"/>
+              <a:t>‹#›</a:t>
             </a:fld>
             <a:endParaRPr lang="zh-CN" altLang="en-US"/>
           </a:p>
@@ -1331,7 +1355,6 @@
               <a:rPr lang="zh-CN" altLang="en-US" smtClean="0"/>
               <a:t>单击此处编辑母版文本样式</a:t>
             </a:r>
-            <a:endParaRPr lang="zh-CN" altLang="en-US" smtClean="0"/>
           </a:p>
           <a:p>
             <a:pPr lvl="1"/>
@@ -1339,7 +1362,6 @@
               <a:rPr lang="zh-CN" altLang="en-US" smtClean="0"/>
               <a:t>第二级</a:t>
             </a:r>
-            <a:endParaRPr lang="zh-CN" altLang="en-US" smtClean="0"/>
           </a:p>
           <a:p>
             <a:pPr lvl="2"/>
@@ -1347,7 +1369,6 @@
               <a:rPr lang="zh-CN" altLang="en-US" smtClean="0"/>
               <a:t>第三级</a:t>
             </a:r>
-            <a:endParaRPr lang="zh-CN" altLang="en-US" smtClean="0"/>
           </a:p>
           <a:p>
             <a:pPr lvl="3"/>
@@ -1355,7 +1376,6 @@
               <a:rPr lang="zh-CN" altLang="en-US" smtClean="0"/>
               <a:t>第四级</a:t>
             </a:r>
-            <a:endParaRPr lang="zh-CN" altLang="en-US" smtClean="0"/>
           </a:p>
           <a:p>
             <a:pPr lvl="4"/>
@@ -1384,6 +1404,7 @@
           <a:p>
             <a:fld id="{D997B5FA-0921-464F-AAE1-844C04324D75}" type="datetimeFigureOut">
               <a:rPr lang="zh-CN" altLang="en-US" smtClean="0"/>
+              <a:t>2017/2/22</a:t>
             </a:fld>
             <a:endParaRPr lang="zh-CN" altLang="en-US"/>
           </a:p>
@@ -1425,6 +1446,7 @@
           <a:p>
             <a:fld id="{565CE74E-AB26-4998-AD42-012C4C1AD076}" type="slidenum">
               <a:rPr lang="zh-CN" altLang="en-US" smtClean="0"/>
+              <a:t>‹#›</a:t>
             </a:fld>
             <a:endParaRPr lang="zh-CN" altLang="en-US"/>
           </a:p>
@@ -1603,7 +1625,6 @@
               <a:rPr lang="zh-CN" altLang="en-US" smtClean="0"/>
               <a:t>单击此处编辑母版文本样式</a:t>
             </a:r>
-            <a:endParaRPr lang="zh-CN" altLang="en-US" smtClean="0"/>
           </a:p>
         </p:txBody>
       </p:sp>
@@ -1624,6 +1645,7 @@
           <a:p>
             <a:fld id="{D997B5FA-0921-464F-AAE1-844C04324D75}" type="datetimeFigureOut">
               <a:rPr lang="zh-CN" altLang="en-US" smtClean="0"/>
+              <a:t>2017/2/22</a:t>
             </a:fld>
             <a:endParaRPr lang="zh-CN" altLang="en-US"/>
           </a:p>
@@ -1665,6 +1687,7 @@
           <a:p>
             <a:fld id="{565CE74E-AB26-4998-AD42-012C4C1AD076}" type="slidenum">
               <a:rPr lang="zh-CN" altLang="en-US" smtClean="0"/>
+              <a:t>‹#›</a:t>
             </a:fld>
             <a:endParaRPr lang="zh-CN" altLang="en-US"/>
           </a:p>
@@ -1743,7 +1766,6 @@
               <a:rPr lang="zh-CN" altLang="en-US" smtClean="0"/>
               <a:t>单击此处编辑母版文本样式</a:t>
             </a:r>
-            <a:endParaRPr lang="zh-CN" altLang="en-US" smtClean="0"/>
           </a:p>
           <a:p>
             <a:pPr lvl="1"/>
@@ -1751,7 +1773,6 @@
               <a:rPr lang="zh-CN" altLang="en-US" smtClean="0"/>
               <a:t>第二级</a:t>
             </a:r>
-            <a:endParaRPr lang="zh-CN" altLang="en-US" smtClean="0"/>
           </a:p>
           <a:p>
             <a:pPr lvl="2"/>
@@ -1759,7 +1780,6 @@
               <a:rPr lang="zh-CN" altLang="en-US" smtClean="0"/>
               <a:t>第三级</a:t>
             </a:r>
-            <a:endParaRPr lang="zh-CN" altLang="en-US" smtClean="0"/>
           </a:p>
           <a:p>
             <a:pPr lvl="3"/>
@@ -1767,7 +1787,6 @@
               <a:rPr lang="zh-CN" altLang="en-US" smtClean="0"/>
               <a:t>第四级</a:t>
             </a:r>
-            <a:endParaRPr lang="zh-CN" altLang="en-US" smtClean="0"/>
           </a:p>
           <a:p>
             <a:pPr lvl="4"/>
@@ -1804,7 +1823,6 @@
               <a:rPr lang="zh-CN" altLang="en-US" smtClean="0"/>
               <a:t>单击此处编辑母版文本样式</a:t>
             </a:r>
-            <a:endParaRPr lang="zh-CN" altLang="en-US" smtClean="0"/>
           </a:p>
           <a:p>
             <a:pPr lvl="1"/>
@@ -1812,7 +1830,6 @@
               <a:rPr lang="zh-CN" altLang="en-US" smtClean="0"/>
               <a:t>第二级</a:t>
             </a:r>
-            <a:endParaRPr lang="zh-CN" altLang="en-US" smtClean="0"/>
           </a:p>
           <a:p>
             <a:pPr lvl="2"/>
@@ -1820,7 +1837,6 @@
               <a:rPr lang="zh-CN" altLang="en-US" smtClean="0"/>
               <a:t>第三级</a:t>
             </a:r>
-            <a:endParaRPr lang="zh-CN" altLang="en-US" smtClean="0"/>
           </a:p>
           <a:p>
             <a:pPr lvl="3"/>
@@ -1828,7 +1844,6 @@
               <a:rPr lang="zh-CN" altLang="en-US" smtClean="0"/>
               <a:t>第四级</a:t>
             </a:r>
-            <a:endParaRPr lang="zh-CN" altLang="en-US" smtClean="0"/>
           </a:p>
           <a:p>
             <a:pPr lvl="4"/>
@@ -1857,6 +1872,7 @@
           <a:p>
             <a:fld id="{D997B5FA-0921-464F-AAE1-844C04324D75}" type="datetimeFigureOut">
               <a:rPr lang="zh-CN" altLang="en-US" smtClean="0"/>
+              <a:t>2017/2/22</a:t>
             </a:fld>
             <a:endParaRPr lang="zh-CN" altLang="en-US"/>
           </a:p>
@@ -1898,6 +1914,7 @@
           <a:p>
             <a:fld id="{565CE74E-AB26-4998-AD42-012C4C1AD076}" type="slidenum">
               <a:rPr lang="zh-CN" altLang="en-US" smtClean="0"/>
+              <a:t>‹#›</a:t>
             </a:fld>
             <a:endParaRPr lang="zh-CN" altLang="en-US"/>
           </a:p>
@@ -2018,7 +2035,6 @@
               <a:rPr lang="zh-CN" altLang="en-US" smtClean="0"/>
               <a:t>单击此处编辑母版文本样式</a:t>
             </a:r>
-            <a:endParaRPr lang="zh-CN" altLang="en-US" smtClean="0"/>
           </a:p>
         </p:txBody>
       </p:sp>
@@ -2047,7 +2063,6 @@
               <a:rPr lang="zh-CN" altLang="en-US" smtClean="0"/>
               <a:t>单击此处编辑母版文本样式</a:t>
             </a:r>
-            <a:endParaRPr lang="zh-CN" altLang="en-US" smtClean="0"/>
           </a:p>
           <a:p>
             <a:pPr lvl="1"/>
@@ -2055,7 +2070,6 @@
               <a:rPr lang="zh-CN" altLang="en-US" smtClean="0"/>
               <a:t>第二级</a:t>
             </a:r>
-            <a:endParaRPr lang="zh-CN" altLang="en-US" smtClean="0"/>
           </a:p>
           <a:p>
             <a:pPr lvl="2"/>
@@ -2063,7 +2077,6 @@
               <a:rPr lang="zh-CN" altLang="en-US" smtClean="0"/>
               <a:t>第三级</a:t>
             </a:r>
-            <a:endParaRPr lang="zh-CN" altLang="en-US" smtClean="0"/>
           </a:p>
           <a:p>
             <a:pPr lvl="3"/>
@@ -2071,7 +2084,6 @@
               <a:rPr lang="zh-CN" altLang="en-US" smtClean="0"/>
               <a:t>第四级</a:t>
             </a:r>
-            <a:endParaRPr lang="zh-CN" altLang="en-US" smtClean="0"/>
           </a:p>
           <a:p>
             <a:pPr lvl="4"/>
@@ -2145,7 +2157,6 @@
               <a:rPr lang="zh-CN" altLang="en-US" smtClean="0"/>
               <a:t>单击此处编辑母版文本样式</a:t>
             </a:r>
-            <a:endParaRPr lang="zh-CN" altLang="en-US" smtClean="0"/>
           </a:p>
         </p:txBody>
       </p:sp>
@@ -2174,7 +2185,6 @@
               <a:rPr lang="zh-CN" altLang="en-US" smtClean="0"/>
               <a:t>单击此处编辑母版文本样式</a:t>
             </a:r>
-            <a:endParaRPr lang="zh-CN" altLang="en-US" smtClean="0"/>
           </a:p>
           <a:p>
             <a:pPr lvl="1"/>
@@ -2182,7 +2192,6 @@
               <a:rPr lang="zh-CN" altLang="en-US" smtClean="0"/>
               <a:t>第二级</a:t>
             </a:r>
-            <a:endParaRPr lang="zh-CN" altLang="en-US" smtClean="0"/>
           </a:p>
           <a:p>
             <a:pPr lvl="2"/>
@@ -2190,7 +2199,6 @@
               <a:rPr lang="zh-CN" altLang="en-US" smtClean="0"/>
               <a:t>第三级</a:t>
             </a:r>
-            <a:endParaRPr lang="zh-CN" altLang="en-US" smtClean="0"/>
           </a:p>
           <a:p>
             <a:pPr lvl="3"/>
@@ -2198,7 +2206,6 @@
               <a:rPr lang="zh-CN" altLang="en-US" smtClean="0"/>
               <a:t>第四级</a:t>
             </a:r>
-            <a:endParaRPr lang="zh-CN" altLang="en-US" smtClean="0"/>
           </a:p>
           <a:p>
             <a:pPr lvl="4"/>
@@ -2227,6 +2234,7 @@
           <a:p>
             <a:fld id="{D997B5FA-0921-464F-AAE1-844C04324D75}" type="datetimeFigureOut">
               <a:rPr lang="zh-CN" altLang="en-US" smtClean="0"/>
+              <a:t>2017/2/22</a:t>
             </a:fld>
             <a:endParaRPr lang="zh-CN" altLang="en-US"/>
           </a:p>
@@ -2268,6 +2276,7 @@
           <a:p>
             <a:fld id="{565CE74E-AB26-4998-AD42-012C4C1AD076}" type="slidenum">
               <a:rPr lang="zh-CN" altLang="en-US" smtClean="0"/>
+              <a:t>‹#›</a:t>
             </a:fld>
             <a:endParaRPr lang="zh-CN" altLang="en-US"/>
           </a:p>
@@ -2338,6 +2347,7 @@
           <a:p>
             <a:fld id="{D997B5FA-0921-464F-AAE1-844C04324D75}" type="datetimeFigureOut">
               <a:rPr lang="zh-CN" altLang="en-US" smtClean="0"/>
+              <a:t>2017/2/22</a:t>
             </a:fld>
             <a:endParaRPr lang="zh-CN" altLang="en-US"/>
           </a:p>
@@ -2379,6 +2389,7 @@
           <a:p>
             <a:fld id="{565CE74E-AB26-4998-AD42-012C4C1AD076}" type="slidenum">
               <a:rPr lang="zh-CN" altLang="en-US" smtClean="0"/>
+              <a:t>‹#›</a:t>
             </a:fld>
             <a:endParaRPr lang="zh-CN" altLang="en-US"/>
           </a:p>
@@ -2426,6 +2437,7 @@
           <a:p>
             <a:fld id="{D997B5FA-0921-464F-AAE1-844C04324D75}" type="datetimeFigureOut">
               <a:rPr lang="zh-CN" altLang="en-US" smtClean="0"/>
+              <a:t>2017/2/22</a:t>
             </a:fld>
             <a:endParaRPr lang="zh-CN" altLang="en-US"/>
           </a:p>
@@ -2467,6 +2479,7 @@
           <a:p>
             <a:fld id="{565CE74E-AB26-4998-AD42-012C4C1AD076}" type="slidenum">
               <a:rPr lang="zh-CN" altLang="en-US" smtClean="0"/>
+              <a:t>‹#›</a:t>
             </a:fld>
             <a:endParaRPr lang="zh-CN" altLang="en-US"/>
           </a:p>
@@ -2582,7 +2595,6 @@
               <a:rPr lang="zh-CN" altLang="en-US" smtClean="0"/>
               <a:t>单击此处编辑母版文本样式</a:t>
             </a:r>
-            <a:endParaRPr lang="zh-CN" altLang="en-US" smtClean="0"/>
           </a:p>
           <a:p>
             <a:pPr lvl="1"/>
@@ -2590,7 +2602,6 @@
               <a:rPr lang="zh-CN" altLang="en-US" smtClean="0"/>
               <a:t>第二级</a:t>
             </a:r>
-            <a:endParaRPr lang="zh-CN" altLang="en-US" smtClean="0"/>
           </a:p>
           <a:p>
             <a:pPr lvl="2"/>
@@ -2598,7 +2609,6 @@
               <a:rPr lang="zh-CN" altLang="en-US" smtClean="0"/>
               <a:t>第三级</a:t>
             </a:r>
-            <a:endParaRPr lang="zh-CN" altLang="en-US" smtClean="0"/>
           </a:p>
           <a:p>
             <a:pPr lvl="3"/>
@@ -2606,7 +2616,6 @@
               <a:rPr lang="zh-CN" altLang="en-US" smtClean="0"/>
               <a:t>第四级</a:t>
             </a:r>
-            <a:endParaRPr lang="zh-CN" altLang="en-US" smtClean="0"/>
           </a:p>
           <a:p>
             <a:pPr lvl="4"/>
@@ -2680,7 +2689,6 @@
               <a:rPr lang="zh-CN" altLang="en-US" smtClean="0"/>
               <a:t>单击此处编辑母版文本样式</a:t>
             </a:r>
-            <a:endParaRPr lang="zh-CN" altLang="en-US" smtClean="0"/>
           </a:p>
         </p:txBody>
       </p:sp>
@@ -2701,6 +2709,7 @@
           <a:p>
             <a:fld id="{D997B5FA-0921-464F-AAE1-844C04324D75}" type="datetimeFigureOut">
               <a:rPr lang="zh-CN" altLang="en-US" smtClean="0"/>
+              <a:t>2017/2/22</a:t>
             </a:fld>
             <a:endParaRPr lang="zh-CN" altLang="en-US"/>
           </a:p>
@@ -2742,6 +2751,7 @@
           <a:p>
             <a:fld id="{565CE74E-AB26-4998-AD42-012C4C1AD076}" type="slidenum">
               <a:rPr lang="zh-CN" altLang="en-US" smtClean="0"/>
+              <a:t>‹#›</a:t>
             </a:fld>
             <a:endParaRPr lang="zh-CN" altLang="en-US"/>
           </a:p>
@@ -2927,7 +2937,6 @@
               <a:rPr lang="zh-CN" altLang="en-US" smtClean="0"/>
               <a:t>单击此处编辑母版文本样式</a:t>
             </a:r>
-            <a:endParaRPr lang="zh-CN" altLang="en-US" smtClean="0"/>
           </a:p>
         </p:txBody>
       </p:sp>
@@ -2948,6 +2957,7 @@
           <a:p>
             <a:fld id="{D997B5FA-0921-464F-AAE1-844C04324D75}" type="datetimeFigureOut">
               <a:rPr lang="zh-CN" altLang="en-US" smtClean="0"/>
+              <a:t>2017/2/22</a:t>
             </a:fld>
             <a:endParaRPr lang="zh-CN" altLang="en-US"/>
           </a:p>
@@ -2989,6 +2999,7 @@
           <a:p>
             <a:fld id="{565CE74E-AB26-4998-AD42-012C4C1AD076}" type="slidenum">
               <a:rPr lang="zh-CN" altLang="en-US" smtClean="0"/>
+              <a:t>‹#›</a:t>
             </a:fld>
             <a:endParaRPr lang="zh-CN" altLang="en-US"/>
           </a:p>
@@ -3087,7 +3098,6 @@
               <a:rPr lang="zh-CN" altLang="en-US" smtClean="0"/>
               <a:t>单击此处编辑母版文本样式</a:t>
             </a:r>
-            <a:endParaRPr lang="zh-CN" altLang="en-US" smtClean="0"/>
           </a:p>
           <a:p>
             <a:pPr lvl="1"/>
@@ -3095,7 +3105,6 @@
               <a:rPr lang="zh-CN" altLang="en-US" smtClean="0"/>
               <a:t>第二级</a:t>
             </a:r>
-            <a:endParaRPr lang="zh-CN" altLang="en-US" smtClean="0"/>
           </a:p>
           <a:p>
             <a:pPr lvl="2"/>
@@ -3103,7 +3112,6 @@
               <a:rPr lang="zh-CN" altLang="en-US" smtClean="0"/>
               <a:t>第三级</a:t>
             </a:r>
-            <a:endParaRPr lang="zh-CN" altLang="en-US" smtClean="0"/>
           </a:p>
           <a:p>
             <a:pPr lvl="3"/>
@@ -3111,7 +3119,6 @@
               <a:rPr lang="zh-CN" altLang="en-US" smtClean="0"/>
               <a:t>第四级</a:t>
             </a:r>
-            <a:endParaRPr lang="zh-CN" altLang="en-US" smtClean="0"/>
           </a:p>
           <a:p>
             <a:pPr lvl="4"/>
@@ -3158,6 +3165,7 @@
           <a:p>
             <a:fld id="{D997B5FA-0921-464F-AAE1-844C04324D75}" type="datetimeFigureOut">
               <a:rPr lang="zh-CN" altLang="en-US" smtClean="0"/>
+              <a:t>2017/2/22</a:t>
             </a:fld>
             <a:endParaRPr lang="zh-CN" altLang="en-US"/>
           </a:p>
@@ -3235,6 +3243,7 @@
           <a:p>
             <a:fld id="{565CE74E-AB26-4998-AD42-012C4C1AD076}" type="slidenum">
               <a:rPr lang="zh-CN" altLang="en-US" smtClean="0"/>
+              <a:t>‹#›</a:t>
             </a:fld>
             <a:endParaRPr lang="zh-CN" altLang="en-US"/>
           </a:p>
@@ -3668,10 +3677,6 @@
               </a:rPr>
               <a:t>证券</a:t>
             </a:r>
-            <a:endParaRPr lang="zh-CN" altLang="en-US" sz="4400" b="1" dirty="0" smtClean="0">
-              <a:latin typeface="微软雅黑" panose="020B0503020204020204" pitchFamily="34" charset="-122"/>
-              <a:ea typeface="微软雅黑" panose="020B0503020204020204" pitchFamily="34" charset="-122"/>
-            </a:endParaRPr>
           </a:p>
           <a:p>
             <a:pPr algn="ctr"/>
@@ -3682,10 +3687,6 @@
               </a:rPr>
               <a:t>异常交易行为监控系统</a:t>
             </a:r>
-            <a:endParaRPr lang="zh-CN" altLang="en-US" sz="4400" b="1" dirty="0" smtClean="0">
-              <a:latin typeface="微软雅黑" panose="020B0503020204020204" pitchFamily="34" charset="-122"/>
-              <a:ea typeface="微软雅黑" panose="020B0503020204020204" pitchFamily="34" charset="-122"/>
-            </a:endParaRPr>
           </a:p>
         </p:txBody>
       </p:sp>
@@ -3758,7 +3759,6 @@
               <a:rPr lang="zh-CN" altLang="en-US" dirty="0"/>
               <a:t>实现</a:t>
             </a:r>
-            <a:endParaRPr lang="zh-CN" altLang="en-US" dirty="0"/>
           </a:p>
         </p:txBody>
       </p:sp>
@@ -3825,12 +3825,6 @@
               </a:rPr>
               <a:t>    不依赖第三方商业产品，部分组件使用开源组件，自主开发维护。</a:t>
             </a:r>
-            <a:endParaRPr lang="zh-CN" altLang="en-US" sz="1600" dirty="0" smtClean="0">
-              <a:solidFill>
-                <a:srgbClr val="0C0C0C"/>
-              </a:solidFill>
-              <a:latin typeface="宋体" panose="02010600030101010101" pitchFamily="2" charset="-122"/>
-            </a:endParaRPr>
           </a:p>
           <a:p>
             <a:pPr marL="0" indent="0">
@@ -3909,13 +3903,6 @@
               </a:rPr>
               <a:t>EsperTech Esper</a:t>
             </a:r>
-            <a:endParaRPr lang="zh-CN" altLang="en-US" sz="1200" dirty="0">
-              <a:solidFill>
-                <a:srgbClr val="0C0C0C"/>
-              </a:solidFill>
-              <a:latin typeface="宋体" panose="02010600030101010101" pitchFamily="2" charset="-122"/>
-              <a:sym typeface="+mn-ea"/>
-            </a:endParaRPr>
           </a:p>
           <a:p>
             <a:pPr marL="0" indent="0">
@@ -3949,13 +3936,6 @@
               </a:rPr>
               <a:t>Drools</a:t>
             </a:r>
-            <a:endParaRPr lang="en-US" altLang="zh-CN" sz="1200" dirty="0">
-              <a:solidFill>
-                <a:srgbClr val="0C0C0C"/>
-              </a:solidFill>
-              <a:latin typeface="宋体" panose="02010600030101010101" pitchFamily="2" charset="-122"/>
-              <a:sym typeface="+mn-ea"/>
-            </a:endParaRPr>
           </a:p>
           <a:p>
             <a:pPr marL="0" indent="0">
@@ -4047,13 +4027,6 @@
               </a:rPr>
               <a:t>Apache Kafka</a:t>
             </a:r>
-            <a:endParaRPr lang="en-US" altLang="zh-CN" sz="1200" dirty="0">
-              <a:solidFill>
-                <a:srgbClr val="0C0C0C"/>
-              </a:solidFill>
-              <a:latin typeface="宋体" panose="02010600030101010101" pitchFamily="2" charset="-122"/>
-              <a:sym typeface="+mn-ea"/>
-            </a:endParaRPr>
           </a:p>
           <a:p>
             <a:pPr marL="0" indent="0">
@@ -4176,12 +4149,6 @@
               </a:rPr>
               <a:t>Mysql/Redis/Apache ElasticSearch</a:t>
             </a:r>
-            <a:endParaRPr lang="en-US" altLang="zh-CN" sz="1200" dirty="0">
-              <a:solidFill>
-                <a:srgbClr val="0C0C0C"/>
-              </a:solidFill>
-              <a:latin typeface="宋体" panose="02010600030101010101" pitchFamily="2" charset="-122"/>
-            </a:endParaRPr>
           </a:p>
           <a:p>
             <a:pPr marL="0" indent="0">
@@ -4330,10 +4297,6 @@
               </a:rPr>
               <a:t>架构</a:t>
             </a:r>
-            <a:endParaRPr lang="zh-CN" altLang="en-US" sz="2800" b="1" dirty="0">
-              <a:latin typeface="微软雅黑" panose="020B0503020204020204" pitchFamily="34" charset="-122"/>
-              <a:ea typeface="微软雅黑" panose="020B0503020204020204" pitchFamily="34" charset="-122"/>
-            </a:endParaRPr>
           </a:p>
         </p:txBody>
       </p:sp>
@@ -4548,12 +4511,6 @@
                 </a:rPr>
                 <a:t>事中风控子系统</a:t>
               </a:r>
-              <a:endParaRPr lang="zh-CN" altLang="en-US" sz="1200" b="1" dirty="0" smtClean="0">
-                <a:solidFill>
-                  <a:schemeClr val="tx1"/>
-                </a:solidFill>
-                <a:latin typeface="宋体" panose="02010600030101010101" pitchFamily="2" charset="-122"/>
-              </a:endParaRPr>
             </a:p>
             <a:p>
               <a:pPr algn="ctr"/>
@@ -4777,12 +4734,6 @@
                 </a:rPr>
                 <a:t>事前风控子系统</a:t>
               </a:r>
-              <a:endParaRPr lang="zh-CN" altLang="en-US" sz="1200" b="1" dirty="0" smtClean="0">
-                <a:solidFill>
-                  <a:schemeClr val="tx1"/>
-                </a:solidFill>
-                <a:latin typeface="宋体" panose="02010600030101010101" pitchFamily="2" charset="-122"/>
-              </a:endParaRPr>
             </a:p>
             <a:p>
               <a:pPr algn="ctr"/>
@@ -5150,13 +5101,6 @@
                 </a:rPr>
                 <a:t>kafka消息队列</a:t>
               </a:r>
-              <a:endParaRPr lang="zh-CN" altLang="en-US" sz="1400" dirty="0" smtClean="0">
-                <a:solidFill>
-                  <a:srgbClr val="333333"/>
-                </a:solidFill>
-                <a:latin typeface="Arial" panose="020B0604020202020204" pitchFamily="34" charset="0"/>
-                <a:ea typeface="宋体" panose="02010600030101010101" pitchFamily="2" charset="-122"/>
-              </a:endParaRPr>
             </a:p>
           </p:txBody>
         </p:sp>
@@ -5257,9 +5201,6 @@
                 </a:rPr>
                 <a:t>hadoop</a:t>
               </a:r>
-              <a:endParaRPr lang="zh-CN" altLang="en-US" sz="1200" dirty="0" smtClean="0">
-                <a:latin typeface="宋体" panose="02010600030101010101" pitchFamily="2" charset="-122"/>
-              </a:endParaRPr>
             </a:p>
             <a:p>
               <a:pPr algn="ctr"/>
@@ -5269,9 +5210,6 @@
                 </a:rPr>
                 <a:t>数据仓库</a:t>
               </a:r>
-              <a:endParaRPr lang="zh-CN" altLang="en-US" sz="1200" dirty="0" smtClean="0">
-                <a:latin typeface="宋体" panose="02010600030101010101" pitchFamily="2" charset="-122"/>
-              </a:endParaRPr>
             </a:p>
             <a:p>
               <a:pPr algn="ctr"/>
@@ -5281,9 +5219,6 @@
                 </a:rPr>
                 <a:t>（交易数据等）</a:t>
               </a:r>
-              <a:endParaRPr lang="zh-CN" altLang="en-US" sz="1200" dirty="0" smtClean="0">
-                <a:latin typeface="宋体" panose="02010600030101010101" pitchFamily="2" charset="-122"/>
-              </a:endParaRPr>
             </a:p>
             <a:p>
               <a:pPr algn="ctr"/>
@@ -5372,10 +5307,6 @@
                 </a:rPr>
                 <a:t>事后风控子系统</a:t>
               </a:r>
-              <a:endParaRPr lang="zh-CN" altLang="en-US" sz="1200" b="1" dirty="0" smtClean="0">
-                <a:latin typeface="宋体" panose="02010600030101010101" pitchFamily="2" charset="-122"/>
-                <a:sym typeface="+mn-ea"/>
-              </a:endParaRPr>
             </a:p>
             <a:p>
               <a:pPr lvl="0" algn="ctr"/>
@@ -5496,12 +5427,6 @@
                 </a:rPr>
                 <a:t>事中风控分析</a:t>
               </a:r>
-              <a:endParaRPr lang="zh-CN" altLang="en-US" sz="1400" dirty="0" smtClean="0">
-                <a:solidFill>
-                  <a:srgbClr val="333333"/>
-                </a:solidFill>
-                <a:latin typeface="Arial" panose="020B0604020202020204" pitchFamily="34" charset="0"/>
-              </a:endParaRPr>
             </a:p>
             <a:p>
               <a:pPr algn="ctr"/>
@@ -5514,12 +5439,6 @@
                 </a:rPr>
                 <a:t>接入层</a:t>
               </a:r>
-              <a:endParaRPr lang="zh-CN" altLang="en-US" sz="1400" dirty="0" smtClean="0">
-                <a:solidFill>
-                  <a:srgbClr val="333333"/>
-                </a:solidFill>
-                <a:latin typeface="Arial" panose="020B0604020202020204" pitchFamily="34" charset="0"/>
-              </a:endParaRPr>
             </a:p>
           </p:txBody>
         </p:sp>
@@ -5563,12 +5482,6 @@
                 </a:rPr>
                 <a:t>缓存</a:t>
               </a:r>
-              <a:endParaRPr lang="zh-CN" altLang="en-US" sz="1200" b="1" dirty="0">
-                <a:solidFill>
-                  <a:srgbClr val="333333"/>
-                </a:solidFill>
-                <a:latin typeface="Arial" panose="020B0604020202020204" pitchFamily="34" charset="0"/>
-              </a:endParaRPr>
             </a:p>
             <a:p>
               <a:pPr algn="ctr"/>
@@ -5599,12 +5512,6 @@
                 </a:rPr>
                 <a:t>/</a:t>
               </a:r>
-              <a:endParaRPr lang="en-US" altLang="zh-CN" sz="1000" dirty="0">
-                <a:solidFill>
-                  <a:srgbClr val="333333"/>
-                </a:solidFill>
-                <a:latin typeface="Arial" panose="020B0604020202020204" pitchFamily="34" charset="0"/>
-              </a:endParaRPr>
             </a:p>
             <a:p>
               <a:pPr algn="ctr"/>
@@ -5653,12 +5560,6 @@
                 </a:rPr>
                 <a:t>)</a:t>
               </a:r>
-              <a:endParaRPr lang="en-US" altLang="zh-CN" sz="1000" dirty="0">
-                <a:solidFill>
-                  <a:srgbClr val="333333"/>
-                </a:solidFill>
-                <a:latin typeface="Arial" panose="020B0604020202020204" pitchFamily="34" charset="0"/>
-              </a:endParaRPr>
             </a:p>
           </p:txBody>
         </p:sp>
@@ -5696,12 +5597,6 @@
                 </a:rPr>
                 <a:t>规则中心</a:t>
               </a:r>
-              <a:endParaRPr lang="zh-CN" altLang="en-US" sz="1200" b="1" dirty="0">
-                <a:solidFill>
-                  <a:srgbClr val="333333"/>
-                </a:solidFill>
-                <a:latin typeface="Arial" panose="020B0604020202020204" pitchFamily="34" charset="0"/>
-              </a:endParaRPr>
             </a:p>
             <a:p>
               <a:pPr algn="ctr"/>
@@ -5732,12 +5627,6 @@
                 </a:rPr>
                 <a:t>规则</a:t>
               </a:r>
-              <a:endParaRPr lang="zh-CN" altLang="en-US" sz="1200" dirty="0" smtClean="0">
-                <a:solidFill>
-                  <a:srgbClr val="333333"/>
-                </a:solidFill>
-                <a:latin typeface="Arial" panose="020B0604020202020204" pitchFamily="34" charset="0"/>
-              </a:endParaRPr>
             </a:p>
             <a:p>
               <a:pPr algn="ctr"/>
@@ -5768,12 +5657,6 @@
                 </a:rPr>
                 <a:t>）</a:t>
               </a:r>
-              <a:endParaRPr lang="zh-CN" altLang="en-US" sz="1200" dirty="0">
-                <a:solidFill>
-                  <a:srgbClr val="333333"/>
-                </a:solidFill>
-                <a:latin typeface="Arial" panose="020B0604020202020204" pitchFamily="34" charset="0"/>
-              </a:endParaRPr>
             </a:p>
           </p:txBody>
         </p:sp>
@@ -5829,10 +5712,6 @@
                 </a:rPr>
                 <a:t>管理</a:t>
               </a:r>
-              <a:endParaRPr lang="zh-CN" altLang="en-US" sz="1200" b="1" dirty="0" smtClean="0">
-                <a:latin typeface="宋体" panose="02010600030101010101" pitchFamily="2" charset="-122"/>
-                <a:sym typeface="+mn-ea"/>
-              </a:endParaRPr>
             </a:p>
             <a:p>
               <a:pPr lvl="0" algn="ctr"/>
@@ -5843,10 +5722,6 @@
                 </a:rPr>
                 <a:t>子系统</a:t>
               </a:r>
-              <a:endParaRPr lang="zh-CN" altLang="en-US" sz="1200" b="1" dirty="0" smtClean="0">
-                <a:latin typeface="宋体" panose="02010600030101010101" pitchFamily="2" charset="-122"/>
-                <a:sym typeface="+mn-ea"/>
-              </a:endParaRPr>
             </a:p>
             <a:p>
               <a:pPr lvl="0" algn="ctr"/>
@@ -5857,10 +5732,6 @@
                 </a:rPr>
                 <a:t>（规则管理</a:t>
               </a:r>
-              <a:endParaRPr lang="zh-CN" altLang="en-US" sz="1200" dirty="0" smtClean="0">
-                <a:latin typeface="宋体" panose="02010600030101010101" pitchFamily="2" charset="-122"/>
-                <a:sym typeface="+mn-ea"/>
-              </a:endParaRPr>
             </a:p>
             <a:p>
               <a:pPr lvl="0" algn="ctr"/>
@@ -5871,10 +5742,6 @@
                 </a:rPr>
                 <a:t>/告警中心</a:t>
               </a:r>
-              <a:endParaRPr lang="zh-CN" altLang="en-US" sz="1200" dirty="0" smtClean="0">
-                <a:latin typeface="宋体" panose="02010600030101010101" pitchFamily="2" charset="-122"/>
-                <a:sym typeface="+mn-ea"/>
-              </a:endParaRPr>
             </a:p>
             <a:p>
               <a:pPr lvl="0" algn="ctr"/>
@@ -5885,10 +5752,6 @@
                 </a:rPr>
                 <a:t>/处置中心）</a:t>
               </a:r>
-              <a:endParaRPr lang="zh-CN" altLang="en-US" sz="1200" dirty="0" smtClean="0">
-                <a:latin typeface="宋体" panose="02010600030101010101" pitchFamily="2" charset="-122"/>
-                <a:sym typeface="+mn-ea"/>
-              </a:endParaRPr>
             </a:p>
           </p:txBody>
         </p:sp>
@@ -6097,12 +5960,6 @@
                 </a:rPr>
                 <a:t>缓存</a:t>
               </a:r>
-              <a:endParaRPr lang="zh-CN" altLang="en-US" sz="1200" b="1" dirty="0">
-                <a:solidFill>
-                  <a:srgbClr val="333333"/>
-                </a:solidFill>
-                <a:latin typeface="Arial" panose="020B0604020202020204" pitchFamily="34" charset="0"/>
-              </a:endParaRPr>
             </a:p>
             <a:p>
               <a:pPr algn="ctr"/>
@@ -6133,12 +5990,6 @@
                 </a:rPr>
                 <a:t>/</a:t>
               </a:r>
-              <a:endParaRPr lang="en-US" altLang="zh-CN" sz="1000" dirty="0">
-                <a:solidFill>
-                  <a:srgbClr val="333333"/>
-                </a:solidFill>
-                <a:latin typeface="Arial" panose="020B0604020202020204" pitchFamily="34" charset="0"/>
-              </a:endParaRPr>
             </a:p>
             <a:p>
               <a:pPr algn="ctr"/>
@@ -6187,12 +6038,6 @@
                 </a:rPr>
                 <a:t>)</a:t>
               </a:r>
-              <a:endParaRPr lang="en-US" altLang="zh-CN" sz="1000" dirty="0">
-                <a:solidFill>
-                  <a:srgbClr val="333333"/>
-                </a:solidFill>
-                <a:latin typeface="Arial" panose="020B0604020202020204" pitchFamily="34" charset="0"/>
-              </a:endParaRPr>
             </a:p>
           </p:txBody>
         </p:sp>
@@ -6226,12 +6071,6 @@
                 </a:rPr>
                 <a:t>外围数据</a:t>
               </a:r>
-              <a:endParaRPr lang="zh-CN" altLang="en-US" dirty="0" smtClean="0">
-                <a:solidFill>
-                  <a:srgbClr val="333333"/>
-                </a:solidFill>
-                <a:latin typeface="Arial" panose="020B0604020202020204" pitchFamily="34" charset="0"/>
-              </a:endParaRPr>
             </a:p>
           </p:txBody>
         </p:sp>
@@ -6286,10 +6125,6 @@
                 </a:rPr>
                 <a:t>CDC数据库</a:t>
               </a:r>
-              <a:endParaRPr lang="zh-CN" altLang="en-US" sz="1200" dirty="0" smtClean="0">
-                <a:latin typeface="宋体" panose="02010600030101010101" pitchFamily="2" charset="-122"/>
-                <a:sym typeface="+mn-ea"/>
-              </a:endParaRPr>
             </a:p>
             <a:p>
               <a:pPr lvl="0" algn="ctr"/>
@@ -6300,10 +6135,6 @@
                 </a:rPr>
                 <a:t>实时同步数据</a:t>
               </a:r>
-              <a:endParaRPr lang="zh-CN" altLang="en-US" sz="1200" dirty="0" smtClean="0">
-                <a:latin typeface="宋体" panose="02010600030101010101" pitchFamily="2" charset="-122"/>
-                <a:sym typeface="+mn-ea"/>
-              </a:endParaRPr>
             </a:p>
             <a:p>
               <a:pPr lvl="0" algn="ctr"/>
@@ -6321,10 +6152,6 @@
                 </a:rPr>
                 <a:t>sqlserver/</a:t>
               </a:r>
-              <a:endParaRPr lang="en-US" altLang="zh-CN" sz="1200" dirty="0" smtClean="0">
-                <a:latin typeface="宋体" panose="02010600030101010101" pitchFamily="2" charset="-122"/>
-                <a:sym typeface="+mn-ea"/>
-              </a:endParaRPr>
             </a:p>
             <a:p>
               <a:pPr lvl="0" algn="ctr"/>
@@ -6342,10 +6169,6 @@
                 </a:rPr>
                 <a:t>）</a:t>
               </a:r>
-              <a:endParaRPr lang="zh-CN" altLang="en-US" sz="1200" dirty="0" smtClean="0">
-                <a:latin typeface="宋体" panose="02010600030101010101" pitchFamily="2" charset="-122"/>
-                <a:sym typeface="+mn-ea"/>
-              </a:endParaRPr>
             </a:p>
             <a:p>
               <a:pPr lvl="0" algn="ctr"/>
@@ -6462,12 +6285,6 @@
                 </a:rPr>
                 <a:t>框架</a:t>
               </a:r>
-              <a:endParaRPr lang="zh-CN" altLang="en-US" sz="1200" dirty="0" smtClean="0">
-                <a:solidFill>
-                  <a:srgbClr val="333333"/>
-                </a:solidFill>
-                <a:latin typeface="Arial" panose="020B0604020202020204" pitchFamily="34" charset="0"/>
-              </a:endParaRPr>
             </a:p>
             <a:p>
               <a:pPr algn="ctr"/>
@@ -6576,10 +6393,6 @@
                 </a:rPr>
                 <a:t>指令流水数据）</a:t>
               </a:r>
-              <a:endParaRPr lang="zh-CN" altLang="en-US" sz="1200" dirty="0" smtClean="0">
-                <a:latin typeface="宋体" panose="02010600030101010101" pitchFamily="2" charset="-122"/>
-                <a:sym typeface="+mn-ea"/>
-              </a:endParaRPr>
             </a:p>
             <a:p>
               <a:pPr lvl="0" algn="ctr"/>
@@ -6972,10 +6785,6 @@
                 </a:rPr>
                 <a:t>其他数据</a:t>
               </a:r>
-              <a:endParaRPr lang="zh-CN" altLang="en-US" sz="1200" dirty="0" smtClean="0">
-                <a:latin typeface="宋体" panose="02010600030101010101" pitchFamily="2" charset="-122"/>
-                <a:sym typeface="+mn-ea"/>
-              </a:endParaRPr>
             </a:p>
             <a:p>
               <a:pPr lvl="0" algn="ctr"/>
@@ -6986,10 +6795,6 @@
                 </a:rPr>
                 <a:t>（实时行情数据等）</a:t>
               </a:r>
-              <a:endParaRPr lang="zh-CN" altLang="en-US" sz="1200" dirty="0" smtClean="0">
-                <a:latin typeface="宋体" panose="02010600030101010101" pitchFamily="2" charset="-122"/>
-                <a:sym typeface="+mn-ea"/>
-              </a:endParaRPr>
             </a:p>
             <a:p>
               <a:pPr lvl="0" algn="ctr"/>
@@ -7203,12 +7008,6 @@
                 </a:rPr>
                 <a:t>事前风控分析</a:t>
               </a:r>
-              <a:endParaRPr lang="zh-CN" altLang="en-US" sz="1400" dirty="0" smtClean="0">
-                <a:solidFill>
-                  <a:srgbClr val="333333"/>
-                </a:solidFill>
-                <a:latin typeface="Arial" panose="020B0604020202020204" pitchFamily="34" charset="0"/>
-              </a:endParaRPr>
             </a:p>
             <a:p>
               <a:pPr algn="ctr"/>
@@ -7221,12 +7020,6 @@
                 </a:rPr>
                 <a:t>接入层</a:t>
               </a:r>
-              <a:endParaRPr lang="zh-CN" altLang="en-US" sz="1400" dirty="0" smtClean="0">
-                <a:solidFill>
-                  <a:srgbClr val="333333"/>
-                </a:solidFill>
-                <a:latin typeface="Arial" panose="020B0604020202020204" pitchFamily="34" charset="0"/>
-              </a:endParaRPr>
             </a:p>
             <a:p>
               <a:pPr algn="ctr"/>
@@ -7284,12 +7077,6 @@
                 </a:rPr>
                 <a:t>规则计算引擎</a:t>
               </a:r>
-              <a:endParaRPr lang="zh-CN" altLang="en-US" sz="1000" dirty="0" smtClean="0">
-                <a:solidFill>
-                  <a:srgbClr val="333333"/>
-                </a:solidFill>
-                <a:latin typeface="Arial" panose="020B0604020202020204" pitchFamily="34" charset="0"/>
-              </a:endParaRPr>
             </a:p>
           </p:txBody>
         </p:sp>
@@ -7350,12 +7137,6 @@
                   </a:rPr>
                   <a:t>集群</a:t>
                 </a:r>
-                <a:endParaRPr lang="zh-CN" altLang="en-US" sz="1400" dirty="0" smtClean="0">
-                  <a:solidFill>
-                    <a:srgbClr val="333333"/>
-                  </a:solidFill>
-                  <a:latin typeface="Arial" panose="020B0604020202020204" pitchFamily="34" charset="0"/>
-                </a:endParaRPr>
               </a:p>
               <a:p>
                 <a:pPr algn="ctr"/>
@@ -7413,12 +7194,6 @@
                   </a:rPr>
                   <a:t>规则计算引擎</a:t>
                 </a:r>
-                <a:endParaRPr lang="zh-CN" altLang="en-US" sz="1000" dirty="0" smtClean="0">
-                  <a:solidFill>
-                    <a:srgbClr val="333333"/>
-                  </a:solidFill>
-                  <a:latin typeface="Arial" panose="020B0604020202020204" pitchFamily="34" charset="0"/>
-                </a:endParaRPr>
               </a:p>
             </p:txBody>
           </p:sp>
@@ -7578,7 +7353,6 @@
               <a:rPr lang="zh-CN" altLang="en-US" dirty="0"/>
               <a:t>交易指令处理</a:t>
             </a:r>
-            <a:endParaRPr lang="zh-CN" altLang="en-US" dirty="0"/>
           </a:p>
         </p:txBody>
       </p:sp>
@@ -7622,7 +7396,6 @@
               <a:rPr lang="zh-CN" b="1" dirty="0" smtClean="0"/>
               <a:t>说明</a:t>
             </a:r>
-            <a:endParaRPr lang="zh-CN" b="1" dirty="0" smtClean="0"/>
           </a:p>
           <a:p>
             <a:pPr marL="0" indent="0">
@@ -7681,7 +7454,6 @@
               <a:rPr lang="zh-CN" b="1" dirty="0" smtClean="0"/>
               <a:t>集中交易系统对接拓扑</a:t>
             </a:r>
-            <a:endParaRPr lang="zh-CN" b="1" dirty="0" smtClean="0"/>
           </a:p>
           <a:p>
             <a:pPr marL="0" indent="0">
@@ -7718,10 +7490,16 @@
         <p:nvGraphicFramePr>
           <p:cNvPr id="4" name="表格 -1"/>
           <p:cNvGraphicFramePr/>
-          <p:nvPr/>
+          <p:nvPr>
+            <p:extLst>
+              <p:ext uri="{D42A27DB-BD31-4B8C-83A1-F6EECF244321}">
+                <p14:modId xmlns:p14="http://schemas.microsoft.com/office/powerpoint/2010/main" val="502826605"/>
+              </p:ext>
+            </p:extLst>
+          </p:nvPr>
         </p:nvGraphicFramePr>
         <p:xfrm>
-          <a:off x="6883400" y="3934460"/>
+          <a:off x="8016093" y="4076836"/>
           <a:ext cx="2970530" cy="1066800"/>
         </p:xfrm>
         <a:graphic>
@@ -7754,14 +7532,6 @@
                         </a:rPr>
                         <a:t>消息队列</a:t>
                       </a:r>
-                      <a:endParaRPr lang="zh-CN" altLang="en-US" sz="1100" b="0" u="none">
-                        <a:solidFill>
-                          <a:srgbClr val="000000"/>
-                        </a:solidFill>
-                        <a:latin typeface="宋体" panose="02010600030101010101" pitchFamily="2" charset="-122"/>
-                        <a:ea typeface="宋体" panose="02010600030101010101" pitchFamily="2" charset="-122"/>
-                        <a:cs typeface="宋体" panose="02010600030101010101" pitchFamily="2" charset="-122"/>
-                      </a:endParaRPr>
                     </a:p>
                   </a:txBody>
                   <a:tcPr marL="0" marR="0" marT="0" marB="1" anchor="ctr">
@@ -7815,7 +7585,7 @@
                         <a:buNone/>
                       </a:pPr>
                       <a:r>
-                        <a:rPr lang="zh-CN" altLang="en-US" sz="1100" b="0" u="none">
+                        <a:rPr lang="zh-CN" altLang="en-US" sz="1100" b="0" u="none" dirty="0">
                           <a:solidFill>
                             <a:srgbClr val="000000"/>
                           </a:solidFill>
@@ -7825,14 +7595,6 @@
                         </a:rPr>
                         <a:t>说明</a:t>
                       </a:r>
-                      <a:endParaRPr lang="zh-CN" altLang="en-US" sz="1100" b="0" u="none">
-                        <a:solidFill>
-                          <a:srgbClr val="000000"/>
-                        </a:solidFill>
-                        <a:latin typeface="宋体" panose="02010600030101010101" pitchFamily="2" charset="-122"/>
-                        <a:ea typeface="宋体" panose="02010600030101010101" pitchFamily="2" charset="-122"/>
-                        <a:cs typeface="宋体" panose="02010600030101010101" pitchFamily="2" charset="-122"/>
-                      </a:endParaRPr>
                     </a:p>
                   </a:txBody>
                   <a:tcPr marL="0" marR="0" marT="0" marB="1" anchor="ctr">
@@ -7969,14 +7731,6 @@
                         </a:rPr>
                         <a:t>应用请求消息队列</a:t>
                       </a:r>
-                      <a:endParaRPr lang="zh-CN" altLang="en-US" sz="1100" b="0" u="none">
-                        <a:solidFill>
-                          <a:srgbClr val="000000"/>
-                        </a:solidFill>
-                        <a:latin typeface="宋体" panose="02010600030101010101" pitchFamily="2" charset="-122"/>
-                        <a:ea typeface="宋体" panose="02010600030101010101" pitchFamily="2" charset="-122"/>
-                        <a:cs typeface="宋体" panose="02010600030101010101" pitchFamily="2" charset="-122"/>
-                      </a:endParaRPr>
                     </a:p>
                   </a:txBody>
                   <a:tcPr marL="0" marR="0" marT="0" marB="1" anchor="ctr">
@@ -8113,14 +7867,6 @@
                         </a:rPr>
                         <a:t>应用应答消息队列</a:t>
                       </a:r>
-                      <a:endParaRPr lang="zh-CN" altLang="en-US" sz="1100" b="0" u="none">
-                        <a:solidFill>
-                          <a:srgbClr val="000000"/>
-                        </a:solidFill>
-                        <a:latin typeface="宋体" panose="02010600030101010101" pitchFamily="2" charset="-122"/>
-                        <a:ea typeface="宋体" panose="02010600030101010101" pitchFamily="2" charset="-122"/>
-                        <a:cs typeface="宋体" panose="02010600030101010101" pitchFamily="2" charset="-122"/>
-                      </a:endParaRPr>
                     </a:p>
                   </a:txBody>
                   <a:tcPr marL="0" marR="0" marT="0" marB="1" anchor="ctr">
@@ -8257,14 +8003,6 @@
                         </a:rPr>
                         <a:t>事前风控过滤后的请求消息队列</a:t>
                       </a:r>
-                      <a:endParaRPr lang="zh-CN" altLang="en-US" sz="1100" b="0" u="none">
-                        <a:solidFill>
-                          <a:srgbClr val="000000"/>
-                        </a:solidFill>
-                        <a:latin typeface="宋体" panose="02010600030101010101" pitchFamily="2" charset="-122"/>
-                        <a:ea typeface="宋体" panose="02010600030101010101" pitchFamily="2" charset="-122"/>
-                        <a:cs typeface="宋体" panose="02010600030101010101" pitchFamily="2" charset="-122"/>
-                      </a:endParaRPr>
                     </a:p>
                   </a:txBody>
                   <a:tcPr marL="0" marR="0" marT="0" marB="1" anchor="ctr">
@@ -8401,14 +8139,6 @@
                         </a:rPr>
                         <a:t>应答消息队列</a:t>
                       </a:r>
-                      <a:endParaRPr lang="zh-CN" altLang="en-US" sz="1100" b="0" u="none">
-                        <a:solidFill>
-                          <a:srgbClr val="000000"/>
-                        </a:solidFill>
-                        <a:latin typeface="宋体" panose="02010600030101010101" pitchFamily="2" charset="-122"/>
-                        <a:ea typeface="宋体" panose="02010600030101010101" pitchFamily="2" charset="-122"/>
-                        <a:cs typeface="宋体" panose="02010600030101010101" pitchFamily="2" charset="-122"/>
-                      </a:endParaRPr>
                     </a:p>
                   </a:txBody>
                   <a:tcPr marL="0" marR="0" marT="0" marB="1" anchor="ctr">
@@ -8535,7 +8265,7 @@
                         <a:buNone/>
                       </a:pPr>
                       <a:r>
-                        <a:rPr lang="zh-CN" altLang="en-US" sz="1100" b="0" u="none">
+                        <a:rPr lang="zh-CN" altLang="en-US" sz="1100" b="0" u="none" dirty="0">
                           <a:solidFill>
                             <a:srgbClr val="000000"/>
                           </a:solidFill>
@@ -8545,14 +8275,6 @@
                         </a:rPr>
                         <a:t>应用请求消息的复制队列</a:t>
                       </a:r>
-                      <a:endParaRPr lang="zh-CN" altLang="en-US" sz="1100" b="0" u="none">
-                        <a:solidFill>
-                          <a:srgbClr val="000000"/>
-                        </a:solidFill>
-                        <a:latin typeface="宋体" panose="02010600030101010101" pitchFamily="2" charset="-122"/>
-                        <a:ea typeface="宋体" panose="02010600030101010101" pitchFamily="2" charset="-122"/>
-                        <a:cs typeface="宋体" panose="02010600030101010101" pitchFamily="2" charset="-122"/>
-                      </a:endParaRPr>
                     </a:p>
                   </a:txBody>
                   <a:tcPr marL="0" marR="0" marT="0" marB="1" anchor="ctr">
@@ -8606,22 +8328,28 @@
         <p:nvGraphicFramePr>
           <p:cNvPr id="5" name="对象 4"/>
           <p:cNvGraphicFramePr/>
-          <p:nvPr/>
+          <p:nvPr>
+            <p:extLst>
+              <p:ext uri="{D42A27DB-BD31-4B8C-83A1-F6EECF244321}">
+                <p14:modId xmlns:p14="http://schemas.microsoft.com/office/powerpoint/2010/main" val="1465719268"/>
+              </p:ext>
+            </p:extLst>
+          </p:nvPr>
         </p:nvGraphicFramePr>
         <p:xfrm>
-          <a:off x="2335530" y="3288665"/>
-          <a:ext cx="4547870" cy="2531745"/>
+          <a:off x="2073380" y="3232418"/>
+          <a:ext cx="5734681" cy="3603807"/>
         </p:xfrm>
         <a:graphic>
           <a:graphicData uri="http://schemas.openxmlformats.org/presentationml/2006/ole">
             <mc:AlternateContent xmlns:mc="http://schemas.openxmlformats.org/markup-compatibility/2006">
               <mc:Choice xmlns:v="urn:schemas-microsoft-com:vml" Requires="v">
-                <p:oleObj spid="_x0000_s3077" name="" r:id="rId1" imgW="6115685" imgH="3905885" progId="Visio.Drawing.15">
+                <p:oleObj spid="_x0000_s3080" r:id="rId3" imgW="6115685" imgH="3905885" progId="Visio.Drawing.15">
                   <p:embed/>
                 </p:oleObj>
               </mc:Choice>
               <mc:Fallback>
-                <p:oleObj name="" r:id="rId1" imgW="6115685" imgH="3905885" progId="Visio.Drawing.15">
+                <p:oleObj r:id="rId3" imgW="6115685" imgH="3905885" progId="Visio.Drawing.15">
                   <p:embed/>
                   <p:pic>
                     <p:nvPicPr>
@@ -8630,12 +8358,12 @@
                       <p:nvPr/>
                     </p:nvPicPr>
                     <p:blipFill>
-                      <a:blip r:embed="rId2"/>
+                      <a:blip r:embed="rId4"/>
                     </p:blipFill>
                     <p:spPr>
                       <a:xfrm>
-                        <a:off x="2335530" y="3288665"/>
-                        <a:ext cx="4547870" cy="2531745"/>
+                        <a:off x="2073380" y="3232418"/>
+                        <a:ext cx="5734681" cy="3603807"/>
                       </a:xfrm>
                       <a:prstGeom prst="rect">
                         <a:avLst/>
@@ -8648,36 +8376,6 @@
           </a:graphicData>
         </a:graphic>
       </p:graphicFrame>
-      <p:sp>
-        <p:nvSpPr>
-          <p:cNvPr id="2" name="文本框 1"/>
-          <p:cNvSpPr txBox="1"/>
-          <p:nvPr/>
-        </p:nvSpPr>
-        <p:spPr>
-          <a:xfrm>
-            <a:off x="3082290" y="5944870"/>
-            <a:ext cx="2991485" cy="304800"/>
-          </a:xfrm>
-          <a:prstGeom prst="rect">
-            <a:avLst/>
-          </a:prstGeom>
-          <a:noFill/>
-        </p:spPr>
-        <p:txBody>
-          <a:bodyPr wrap="square" rtlCol="0" anchor="t">
-            <a:spAutoFit/>
-          </a:bodyPr>
-          <a:lstStyle/>
-          <a:p>
-            <a:r>
-              <a:rPr lang="zh-CN" altLang="en-US" sz="1400"/>
-              <a:t>金证集中交易系统对接拓扑</a:t>
-            </a:r>
-            <a:endParaRPr lang="zh-CN" altLang="en-US" sz="1400"/>
-          </a:p>
-        </p:txBody>
-      </p:sp>
     </p:spTree>
   </p:cSld>
   <p:clrMapOvr>
@@ -8760,7 +8458,6 @@
               <a:rPr lang="zh-CN" altLang="en-US" dirty="0"/>
               <a:t>引擎</a:t>
             </a:r>
-            <a:endParaRPr lang="zh-CN" altLang="en-US" dirty="0"/>
           </a:p>
         </p:txBody>
       </p:sp>
@@ -8808,7 +8505,6 @@
               <a:rPr lang="en-US" altLang="zh-CN" b="1" dirty="0" smtClean="0"/>
               <a:t>CEP</a:t>
             </a:r>
-            <a:endParaRPr lang="en-US" altLang="zh-CN" b="1" dirty="0" smtClean="0"/>
           </a:p>
           <a:p>
             <a:pPr marL="0" indent="0">
@@ -8831,12 +8527,6 @@
               </a:rPr>
               <a:t>    CEP(Complex Event Processing)也就是复杂事件处理，是结合多种数据源的数据对信息流进行监测、分析从推理出一些复杂的事件或模式，CEP的目的是识别出一些有意义的事件，例如：机遇、威胁，并且尽可能快的作出反应。</a:t>
             </a:r>
-            <a:endParaRPr lang="zh-CN" altLang="en-US" sz="1600" dirty="0" smtClean="0">
-              <a:solidFill>
-                <a:srgbClr val="0C0C0C"/>
-              </a:solidFill>
-              <a:latin typeface="宋体" panose="02010600030101010101" pitchFamily="2" charset="-122"/>
-            </a:endParaRPr>
           </a:p>
           <a:p>
             <a:pPr marL="0" algn="l">
@@ -9206,7 +8896,6 @@
               <a:rPr lang="zh-CN" altLang="en-US" dirty="0"/>
               <a:t>特点</a:t>
             </a:r>
-            <a:endParaRPr lang="zh-CN" altLang="en-US" dirty="0"/>
           </a:p>
         </p:txBody>
       </p:sp>
@@ -9250,7 +8939,6 @@
               <a:rPr b="1" dirty="0" smtClean="0"/>
               <a:t>数据窗口机制完善</a:t>
             </a:r>
-            <a:endParaRPr b="1" dirty="0" smtClean="0"/>
           </a:p>
           <a:p>
             <a:pPr marL="0" indent="0">
@@ -9273,12 +8961,6 @@
               </a:rPr>
               <a:t>    Esper目前支持大约30种数据窗口，下面表格列出常用的几种：</a:t>
             </a:r>
-            <a:endParaRPr lang="zh-CN" altLang="en-US" sz="1600" dirty="0" smtClean="0">
-              <a:solidFill>
-                <a:srgbClr val="0C0C0C"/>
-              </a:solidFill>
-              <a:latin typeface="宋体" panose="02010600030101010101" pitchFamily="2" charset="-122"/>
-            </a:endParaRPr>
           </a:p>
           <a:p>
             <a:pPr marL="0" indent="0">
@@ -9301,12 +8983,6 @@
               </a:rPr>
               <a:t>    </a:t>
             </a:r>
-            <a:endParaRPr lang="zh-CN" altLang="en-US" sz="1600" dirty="0" smtClean="0">
-              <a:solidFill>
-                <a:srgbClr val="0C0C0C"/>
-              </a:solidFill>
-              <a:latin typeface="宋体" panose="02010600030101010101" pitchFamily="2" charset="-122"/>
-            </a:endParaRPr>
           </a:p>
           <a:p>
             <a:pPr marL="0" indent="0">
@@ -9381,7 +9057,6 @@
               <a:rPr b="1" dirty="0" smtClean="0"/>
               <a:t>EPL语句的语法与SQL相似</a:t>
             </a:r>
-            <a:endParaRPr b="1" dirty="0" smtClean="0"/>
           </a:p>
           <a:p>
             <a:pPr marL="0" algn="l">
@@ -9454,13 +9129,6 @@
               </a:rPr>
               <a:t>    Esper提供了丰富的API，可以独立部署也可以集成进任何应用。</a:t>
             </a:r>
-            <a:endParaRPr lang="zh-CN" altLang="en-US" sz="1600" dirty="0">
-              <a:solidFill>
-                <a:srgbClr val="0C0C0C"/>
-              </a:solidFill>
-              <a:latin typeface="宋体" panose="02010600030101010101" pitchFamily="2" charset="-122"/>
-              <a:sym typeface="+mn-ea"/>
-            </a:endParaRPr>
           </a:p>
           <a:p>
             <a:pPr marL="0" algn="l">
@@ -9493,7 +9161,7 @@
           <p:nvPr/>
         </p:nvPicPr>
         <p:blipFill>
-          <a:blip r:embed="rId1"/>
+          <a:blip r:embed="rId2"/>
           <a:stretch>
             <a:fillRect/>
           </a:stretch>
@@ -9608,7 +9276,6 @@
               <a:rPr lang="zh-CN" altLang="en-US" dirty="0"/>
               <a:t>特点</a:t>
             </a:r>
-            <a:endParaRPr lang="zh-CN" altLang="en-US" dirty="0"/>
           </a:p>
         </p:txBody>
       </p:sp>
@@ -9652,7 +9319,6 @@
               <a:rPr b="1" dirty="0" smtClean="0"/>
               <a:t>支持多种获取结果方式</a:t>
             </a:r>
-            <a:endParaRPr b="1" dirty="0" smtClean="0"/>
           </a:p>
           <a:p>
             <a:pPr marL="0" indent="0">
@@ -9675,12 +9341,6 @@
               </a:rPr>
               <a:t>    </a:t>
             </a:r>
-            <a:endParaRPr lang="zh-CN" altLang="en-US" sz="1600" dirty="0" smtClean="0">
-              <a:solidFill>
-                <a:srgbClr val="0C0C0C"/>
-              </a:solidFill>
-              <a:latin typeface="宋体" panose="02010600030101010101" pitchFamily="2" charset="-122"/>
-            </a:endParaRPr>
           </a:p>
           <a:p>
             <a:pPr marL="0" indent="0">
@@ -9703,12 +9363,6 @@
               </a:rPr>
               <a:t>    </a:t>
             </a:r>
-            <a:endParaRPr lang="zh-CN" altLang="en-US" sz="1600" dirty="0" smtClean="0">
-              <a:solidFill>
-                <a:srgbClr val="0C0C0C"/>
-              </a:solidFill>
-              <a:latin typeface="宋体" panose="02010600030101010101" pitchFamily="2" charset="-122"/>
-            </a:endParaRPr>
           </a:p>
           <a:p>
             <a:pPr marL="0" indent="0">
@@ -9806,7 +9460,6 @@
               <a:rPr lang="zh-CN" b="1" dirty="0" smtClean="0"/>
               <a:t>处理</a:t>
             </a:r>
-            <a:endParaRPr lang="zh-CN" b="1" dirty="0" smtClean="0"/>
           </a:p>
           <a:p>
             <a:pPr marL="0" indent="0">
@@ -9849,7 +9502,7 @@
           <p:nvPr/>
         </p:nvPicPr>
         <p:blipFill>
-          <a:blip r:embed="rId1"/>
+          <a:blip r:embed="rId2"/>
           <a:stretch>
             <a:fillRect/>
           </a:stretch>
@@ -9960,7 +9613,6 @@
               <a:rPr lang="zh-CN" dirty="0"/>
               <a:t>应用</a:t>
             </a:r>
-            <a:endParaRPr lang="zh-CN" dirty="0"/>
           </a:p>
         </p:txBody>
       </p:sp>
@@ -10012,7 +9664,6 @@
               <a:rPr lang="zh-CN" altLang="en-US" b="1" dirty="0" smtClean="0"/>
               <a:t>事中风控中核心的规则引擎</a:t>
             </a:r>
-            <a:endParaRPr lang="zh-CN" altLang="en-US" b="1" dirty="0" smtClean="0"/>
           </a:p>
           <a:p>
             <a:pPr marL="0" indent="0">
@@ -10053,12 +9704,6 @@
               </a:rPr>
               <a:t>通过独立服务进行规则处理，扩容主要是通过提升硬件配置来实现。</a:t>
             </a:r>
-            <a:endParaRPr lang="zh-CN" altLang="en-US" sz="1600" dirty="0" smtClean="0">
-              <a:solidFill>
-                <a:srgbClr val="0C0C0C"/>
-              </a:solidFill>
-              <a:latin typeface="宋体" panose="02010600030101010101" pitchFamily="2" charset="-122"/>
-            </a:endParaRPr>
           </a:p>
           <a:p>
             <a:pPr marL="0" indent="0">
@@ -10314,7 +9959,7 @@
           <p:nvPr/>
         </p:nvPicPr>
         <p:blipFill>
-          <a:blip r:embed="rId1"/>
+          <a:blip r:embed="rId2"/>
           <a:stretch>
             <a:fillRect/>
           </a:stretch>
@@ -10386,7 +10031,6 @@
               <a:rPr lang="zh-CN" altLang="en-US" dirty="0"/>
               <a:t>主页</a:t>
             </a:r>
-            <a:endParaRPr lang="zh-CN" altLang="en-US" dirty="0"/>
           </a:p>
         </p:txBody>
       </p:sp>
@@ -10482,7 +10126,6 @@
               <a:rPr lang="zh-CN" altLang="en-US" dirty="0"/>
               <a:t>预警事件详情</a:t>
             </a:r>
-            <a:endParaRPr lang="zh-CN" altLang="en-US" dirty="0"/>
           </a:p>
         </p:txBody>
       </p:sp>
@@ -10541,7 +10184,7 @@
           <p:nvPr/>
         </p:nvPicPr>
         <p:blipFill>
-          <a:blip r:embed="rId1"/>
+          <a:blip r:embed="rId2"/>
           <a:stretch>
             <a:fillRect/>
           </a:stretch>
@@ -10630,9 +10273,6 @@
               </a:rPr>
               <a:t>当前进展</a:t>
             </a:r>
-            <a:endParaRPr lang="zh-CN" altLang="en-US" dirty="0">
-              <a:sym typeface="+mn-ea"/>
-            </a:endParaRPr>
           </a:p>
         </p:txBody>
       </p:sp>
@@ -10728,14 +10368,6 @@
                         </a:rPr>
                         <a:t>多源委托异常监控</a:t>
                       </a:r>
-                      <a:endParaRPr lang="zh-CN" altLang="en-US" sz="1100" b="0" u="none">
-                        <a:solidFill>
-                          <a:srgbClr val="000000"/>
-                        </a:solidFill>
-                        <a:latin typeface="宋体" panose="02010600030101010101" pitchFamily="2" charset="-122"/>
-                        <a:ea typeface="宋体" panose="02010600030101010101" pitchFamily="2" charset="-122"/>
-                        <a:cs typeface="宋体" panose="02010600030101010101" pitchFamily="2" charset="-122"/>
-                      </a:endParaRPr>
                     </a:p>
                   </a:txBody>
                   <a:tcPr marL="0" marR="0" marT="0" marB="0" anchor="ctr">
@@ -10821,14 +10453,6 @@
                         </a:rPr>
                         <a:t>委托地址且变化次数超限。</a:t>
                       </a:r>
-                      <a:endParaRPr lang="zh-CN" altLang="en-US" sz="1100" b="0" u="none">
-                        <a:solidFill>
-                          <a:srgbClr val="000000"/>
-                        </a:solidFill>
-                        <a:latin typeface="宋体" panose="02010600030101010101" pitchFamily="2" charset="-122"/>
-                        <a:ea typeface="宋体" panose="02010600030101010101" pitchFamily="2" charset="-122"/>
-                        <a:cs typeface="宋体" panose="02010600030101010101" pitchFamily="2" charset="-122"/>
-                      </a:endParaRPr>
                     </a:p>
                   </a:txBody>
                   <a:tcPr marL="0" marR="0" marT="0" marB="0" anchor="ctr">
@@ -10894,14 +10518,6 @@
                         </a:rPr>
                         <a:t>小单委托异常</a:t>
                       </a:r>
-                      <a:endParaRPr lang="zh-CN" altLang="en-US" sz="1100" b="0" u="none">
-                        <a:solidFill>
-                          <a:srgbClr val="000000"/>
-                        </a:solidFill>
-                        <a:latin typeface="宋体" panose="02010600030101010101" pitchFamily="2" charset="-122"/>
-                        <a:ea typeface="宋体" panose="02010600030101010101" pitchFamily="2" charset="-122"/>
-                        <a:cs typeface="宋体" panose="02010600030101010101" pitchFamily="2" charset="-122"/>
-                      </a:endParaRPr>
                     </a:p>
                   </a:txBody>
                   <a:tcPr marL="0" marR="0" marT="0" marB="0" anchor="ctr">
@@ -10987,14 +10603,6 @@
                         </a:rPr>
                         <a:t>次数过高，与资金账户规模不符。</a:t>
                       </a:r>
-                      <a:endParaRPr lang="zh-CN" altLang="en-US" sz="1100" b="0" u="none">
-                        <a:solidFill>
-                          <a:srgbClr val="000000"/>
-                        </a:solidFill>
-                        <a:latin typeface="宋体" panose="02010600030101010101" pitchFamily="2" charset="-122"/>
-                        <a:ea typeface="宋体" panose="02010600030101010101" pitchFamily="2" charset="-122"/>
-                        <a:cs typeface="宋体" panose="02010600030101010101" pitchFamily="2" charset="-122"/>
-                      </a:endParaRPr>
                     </a:p>
                   </a:txBody>
                   <a:tcPr marL="0" marR="0" marT="0" marB="0" anchor="ctr">
@@ -11060,14 +10668,6 @@
                         </a:rPr>
                         <a:t>快到期证券大量委托买入</a:t>
                       </a:r>
-                      <a:endParaRPr lang="zh-CN" altLang="en-US" sz="1100" b="0" u="none">
-                        <a:solidFill>
-                          <a:srgbClr val="000000"/>
-                        </a:solidFill>
-                        <a:latin typeface="宋体" panose="02010600030101010101" pitchFamily="2" charset="-122"/>
-                        <a:ea typeface="宋体" panose="02010600030101010101" pitchFamily="2" charset="-122"/>
-                        <a:cs typeface="宋体" panose="02010600030101010101" pitchFamily="2" charset="-122"/>
-                      </a:endParaRPr>
                     </a:p>
                   </a:txBody>
                   <a:tcPr marL="0" marR="0" marT="0" marB="0" anchor="ctr">
@@ -11131,14 +10731,6 @@
                         </a:rPr>
                         <a:t>监控大量买入快到期或退市整理期股票的委托的行为。</a:t>
                       </a:r>
-                      <a:endParaRPr lang="zh-CN" altLang="en-US" sz="1050" b="0" u="none">
-                        <a:solidFill>
-                          <a:srgbClr val="000000"/>
-                        </a:solidFill>
-                        <a:latin typeface="宋体" panose="02010600030101010101" pitchFamily="2" charset="-122"/>
-                        <a:ea typeface="宋体" panose="02010600030101010101" pitchFamily="2" charset="-122"/>
-                        <a:cs typeface="宋体" panose="02010600030101010101" pitchFamily="2" charset="-122"/>
-                      </a:endParaRPr>
                     </a:p>
                   </a:txBody>
                   <a:tcPr marL="0" marR="0" marT="0" marB="0" anchor="ctr">
@@ -11204,14 +10796,6 @@
                         </a:rPr>
                         <a:t>风险警示股票委托方式异常</a:t>
                       </a:r>
-                      <a:endParaRPr lang="zh-CN" altLang="en-US" sz="1100" b="0" u="none">
-                        <a:solidFill>
-                          <a:srgbClr val="000000"/>
-                        </a:solidFill>
-                        <a:latin typeface="宋体" panose="02010600030101010101" pitchFamily="2" charset="-122"/>
-                        <a:ea typeface="宋体" panose="02010600030101010101" pitchFamily="2" charset="-122"/>
-                        <a:cs typeface="宋体" panose="02010600030101010101" pitchFamily="2" charset="-122"/>
-                      </a:endParaRPr>
                     </a:p>
                   </a:txBody>
                   <a:tcPr marL="0" marR="0" marT="0" marB="0" anchor="ctr">
@@ -11275,14 +10859,6 @@
                         </a:rPr>
                         <a:t>监控以非限价委托方式，买卖上交所的风险警示股票和退市风险股票的行为。</a:t>
                       </a:r>
-                      <a:endParaRPr lang="zh-CN" altLang="en-US" sz="1050" b="0" u="none">
-                        <a:solidFill>
-                          <a:srgbClr val="000000"/>
-                        </a:solidFill>
-                        <a:latin typeface="宋体" panose="02010600030101010101" pitchFamily="2" charset="-122"/>
-                        <a:ea typeface="宋体" panose="02010600030101010101" pitchFamily="2" charset="-122"/>
-                        <a:cs typeface="宋体" panose="02010600030101010101" pitchFamily="2" charset="-122"/>
-                      </a:endParaRPr>
                     </a:p>
                   </a:txBody>
                   <a:tcPr marL="0" marR="0" marT="0" marB="0" anchor="ctr">
@@ -11348,14 +10924,6 @@
                         </a:rPr>
                         <a:t>大额无涨跌幅限制委托</a:t>
                       </a:r>
-                      <a:endParaRPr lang="zh-CN" altLang="en-US" sz="1100" b="0" u="none">
-                        <a:solidFill>
-                          <a:srgbClr val="000000"/>
-                        </a:solidFill>
-                        <a:latin typeface="宋体" panose="02010600030101010101" pitchFamily="2" charset="-122"/>
-                        <a:ea typeface="宋体" panose="02010600030101010101" pitchFamily="2" charset="-122"/>
-                        <a:cs typeface="宋体" panose="02010600030101010101" pitchFamily="2" charset="-122"/>
-                      </a:endParaRPr>
                     </a:p>
                   </a:txBody>
                   <a:tcPr marL="0" marR="0" marT="0" marB="0" anchor="ctr">
@@ -11419,14 +10987,6 @@
                         </a:rPr>
                         <a:t>监控频繁炒作无涨跌幅限制证券（新股、停盘后复盘股票等）</a:t>
                       </a:r>
-                      <a:endParaRPr lang="zh-CN" altLang="en-US" sz="1050" b="0" u="none">
-                        <a:solidFill>
-                          <a:srgbClr val="000000"/>
-                        </a:solidFill>
-                        <a:latin typeface="宋体" panose="02010600030101010101" pitchFamily="2" charset="-122"/>
-                        <a:ea typeface="宋体" panose="02010600030101010101" pitchFamily="2" charset="-122"/>
-                        <a:cs typeface="宋体" panose="02010600030101010101" pitchFamily="2" charset="-122"/>
-                      </a:endParaRPr>
                     </a:p>
                   </a:txBody>
                   <a:tcPr marL="0" marR="0" marT="0" marB="0" anchor="ctr">
@@ -11492,14 +11052,6 @@
                         </a:rPr>
                         <a:t>涉嫌影响开盘价</a:t>
                       </a:r>
-                      <a:endParaRPr lang="zh-CN" altLang="en-US" sz="1100" b="0" u="none">
-                        <a:solidFill>
-                          <a:srgbClr val="000000"/>
-                        </a:solidFill>
-                        <a:latin typeface="宋体" panose="02010600030101010101" pitchFamily="2" charset="-122"/>
-                        <a:ea typeface="宋体" panose="02010600030101010101" pitchFamily="2" charset="-122"/>
-                        <a:cs typeface="宋体" panose="02010600030101010101" pitchFamily="2" charset="-122"/>
-                      </a:endParaRPr>
                     </a:p>
                   </a:txBody>
                   <a:tcPr marL="0" marR="0" marT="0" marB="0" anchor="ctr">
@@ -11563,14 +11115,6 @@
                         </a:rPr>
                         <a:t>监控开盘集合竞价不可撤销申报期间，偏离证券行情揭示的最新虚拟成交价操作某证券，且数量巨大的情况。</a:t>
                       </a:r>
-                      <a:endParaRPr lang="zh-CN" altLang="en-US" sz="1050" b="0" u="none">
-                        <a:solidFill>
-                          <a:srgbClr val="000000"/>
-                        </a:solidFill>
-                        <a:latin typeface="宋体" panose="02010600030101010101" pitchFamily="2" charset="-122"/>
-                        <a:ea typeface="宋体" panose="02010600030101010101" pitchFamily="2" charset="-122"/>
-                        <a:cs typeface="宋体" panose="02010600030101010101" pitchFamily="2" charset="-122"/>
-                      </a:endParaRPr>
                     </a:p>
                   </a:txBody>
                   <a:tcPr marL="0" marR="0" marT="0" marB="0" anchor="ctr">
@@ -11636,14 +11180,6 @@
                         </a:rPr>
                         <a:t>集合竞价期间大量虚假申报</a:t>
                       </a:r>
-                      <a:endParaRPr lang="zh-CN" altLang="en-US" sz="1100" b="0" u="none">
-                        <a:solidFill>
-                          <a:srgbClr val="000000"/>
-                        </a:solidFill>
-                        <a:latin typeface="宋体" panose="02010600030101010101" pitchFamily="2" charset="-122"/>
-                        <a:ea typeface="宋体" panose="02010600030101010101" pitchFamily="2" charset="-122"/>
-                        <a:cs typeface="宋体" panose="02010600030101010101" pitchFamily="2" charset="-122"/>
-                      </a:endParaRPr>
                     </a:p>
                   </a:txBody>
                   <a:tcPr marL="0" marR="0" marT="0" marB="0" anchor="ctr">
@@ -11707,14 +11243,6 @@
                         </a:rPr>
                         <a:t>监控客户开盘集合竞价期间大量申报，在允许撤单后又迅速撤单的异常行为。</a:t>
                       </a:r>
-                      <a:endParaRPr lang="zh-CN" altLang="en-US" sz="1050" b="0" u="none">
-                        <a:solidFill>
-                          <a:srgbClr val="000000"/>
-                        </a:solidFill>
-                        <a:latin typeface="宋体" panose="02010600030101010101" pitchFamily="2" charset="-122"/>
-                        <a:ea typeface="宋体" panose="02010600030101010101" pitchFamily="2" charset="-122"/>
-                        <a:cs typeface="宋体" panose="02010600030101010101" pitchFamily="2" charset="-122"/>
-                      </a:endParaRPr>
                     </a:p>
                   </a:txBody>
                   <a:tcPr marL="0" marR="0" marT="0" marB="0" anchor="ctr">
@@ -11780,14 +11308,6 @@
                         </a:rPr>
                         <a:t>集合竞价期间拉抬打压股价</a:t>
                       </a:r>
-                      <a:endParaRPr lang="zh-CN" altLang="en-US" sz="1100" b="0" u="none">
-                        <a:solidFill>
-                          <a:srgbClr val="000000"/>
-                        </a:solidFill>
-                        <a:latin typeface="宋体" panose="02010600030101010101" pitchFamily="2" charset="-122"/>
-                        <a:ea typeface="宋体" panose="02010600030101010101" pitchFamily="2" charset="-122"/>
-                        <a:cs typeface="宋体" panose="02010600030101010101" pitchFamily="2" charset="-122"/>
-                      </a:endParaRPr>
                     </a:p>
                   </a:txBody>
                   <a:tcPr marL="0" marR="0" marT="0" marB="0" anchor="ctr">
@@ -11851,14 +11371,6 @@
                         </a:rPr>
                         <a:t>监控开盘集合竞价允许撤销申报期间，通过偏离前收盘价的价格虚假申报来进行反向操作的行为。</a:t>
                       </a:r>
-                      <a:endParaRPr lang="zh-CN" altLang="en-US" sz="1050" b="0" u="none">
-                        <a:solidFill>
-                          <a:srgbClr val="000000"/>
-                        </a:solidFill>
-                        <a:latin typeface="宋体" panose="02010600030101010101" pitchFamily="2" charset="-122"/>
-                        <a:ea typeface="宋体" panose="02010600030101010101" pitchFamily="2" charset="-122"/>
-                        <a:cs typeface="宋体" panose="02010600030101010101" pitchFamily="2" charset="-122"/>
-                      </a:endParaRPr>
                     </a:p>
                   </a:txBody>
                   <a:tcPr marL="0" marR="0" marT="0" marB="0" anchor="ctr">
@@ -11924,14 +11436,6 @@
                         </a:rPr>
                         <a:t>连续竞价期间频繁虚假申报</a:t>
                       </a:r>
-                      <a:endParaRPr lang="zh-CN" altLang="en-US" sz="1100" b="0" u="none">
-                        <a:solidFill>
-                          <a:srgbClr val="000000"/>
-                        </a:solidFill>
-                        <a:latin typeface="宋体" panose="02010600030101010101" pitchFamily="2" charset="-122"/>
-                        <a:ea typeface="宋体" panose="02010600030101010101" pitchFamily="2" charset="-122"/>
-                        <a:cs typeface="宋体" panose="02010600030101010101" pitchFamily="2" charset="-122"/>
-                      </a:endParaRPr>
                     </a:p>
                   </a:txBody>
                   <a:tcPr marL="0" marR="0" marT="0" marB="0" anchor="ctr">
@@ -11995,14 +11499,6 @@
                         </a:rPr>
                         <a:t>监控委托流水中，大单委托某证券，但频繁撤单的行为。</a:t>
                       </a:r>
-                      <a:endParaRPr lang="zh-CN" altLang="en-US" sz="1050" b="0" u="none">
-                        <a:solidFill>
-                          <a:srgbClr val="000000"/>
-                        </a:solidFill>
-                        <a:latin typeface="宋体" panose="02010600030101010101" pitchFamily="2" charset="-122"/>
-                        <a:ea typeface="宋体" panose="02010600030101010101" pitchFamily="2" charset="-122"/>
-                        <a:cs typeface="宋体" panose="02010600030101010101" pitchFamily="2" charset="-122"/>
-                      </a:endParaRPr>
                     </a:p>
                   </a:txBody>
                   <a:tcPr marL="0" marR="0" marT="0" marB="0" anchor="ctr">
@@ -12068,14 +11564,6 @@
                         </a:rPr>
                         <a:t>连续竞价期间拉抬打压股价</a:t>
                       </a:r>
-                      <a:endParaRPr lang="zh-CN" altLang="en-US" sz="1100" b="0" u="none">
-                        <a:solidFill>
-                          <a:srgbClr val="000000"/>
-                        </a:solidFill>
-                        <a:latin typeface="宋体" panose="02010600030101010101" pitchFamily="2" charset="-122"/>
-                        <a:ea typeface="宋体" panose="02010600030101010101" pitchFamily="2" charset="-122"/>
-                        <a:cs typeface="宋体" panose="02010600030101010101" pitchFamily="2" charset="-122"/>
-                      </a:endParaRPr>
                     </a:p>
                   </a:txBody>
                   <a:tcPr marL="0" marR="0" marT="0" marB="0" anchor="ctr">
@@ -12183,14 +11671,6 @@
                         </a:rPr>
                         <a:t>，造成股价大幅上涨或下跌的情况。</a:t>
                       </a:r>
-                      <a:endParaRPr lang="zh-CN" altLang="en-US" sz="1050" b="0" u="none">
-                        <a:solidFill>
-                          <a:srgbClr val="000000"/>
-                        </a:solidFill>
-                        <a:latin typeface="宋体" panose="02010600030101010101" pitchFamily="2" charset="-122"/>
-                        <a:ea typeface="宋体" panose="02010600030101010101" pitchFamily="2" charset="-122"/>
-                        <a:cs typeface="宋体" panose="02010600030101010101" pitchFamily="2" charset="-122"/>
-                      </a:endParaRPr>
                     </a:p>
                   </a:txBody>
                   <a:tcPr marL="0" marR="0" marT="0" marB="0" anchor="ctr">
@@ -12256,14 +11736,6 @@
                         </a:rPr>
                         <a:t>连续竞价期间大量委托价格异常</a:t>
                       </a:r>
-                      <a:endParaRPr lang="zh-CN" altLang="en-US" sz="1100" b="0" u="none">
-                        <a:solidFill>
-                          <a:srgbClr val="000000"/>
-                        </a:solidFill>
-                        <a:latin typeface="宋体" panose="02010600030101010101" pitchFamily="2" charset="-122"/>
-                        <a:ea typeface="宋体" panose="02010600030101010101" pitchFamily="2" charset="-122"/>
-                        <a:cs typeface="宋体" panose="02010600030101010101" pitchFamily="2" charset="-122"/>
-                      </a:endParaRPr>
                     </a:p>
                   </a:txBody>
                   <a:tcPr marL="0" marR="0" marT="0" marB="0" anchor="ctr">
@@ -12327,14 +11799,6 @@
                         </a:rPr>
                         <a:t>监控盘中时，客户通过高价买入（低价卖出）某证券，致使股票价格快速升高（下降）的异常行为。</a:t>
                       </a:r>
-                      <a:endParaRPr lang="zh-CN" altLang="en-US" sz="1050" b="0" u="none">
-                        <a:solidFill>
-                          <a:srgbClr val="000000"/>
-                        </a:solidFill>
-                        <a:latin typeface="宋体" panose="02010600030101010101" pitchFamily="2" charset="-122"/>
-                        <a:ea typeface="宋体" panose="02010600030101010101" pitchFamily="2" charset="-122"/>
-                        <a:cs typeface="宋体" panose="02010600030101010101" pitchFamily="2" charset="-122"/>
-                      </a:endParaRPr>
                     </a:p>
                   </a:txBody>
                   <a:tcPr marL="0" marR="0" marT="0" marB="0" anchor="ctr">
@@ -12400,14 +11864,6 @@
                         </a:rPr>
                         <a:t>大单拉涨停</a:t>
                       </a:r>
-                      <a:endParaRPr lang="zh-CN" altLang="en-US" sz="1100" b="0" u="none">
-                        <a:solidFill>
-                          <a:srgbClr val="000000"/>
-                        </a:solidFill>
-                        <a:latin typeface="宋体" panose="02010600030101010101" pitchFamily="2" charset="-122"/>
-                        <a:ea typeface="宋体" panose="02010600030101010101" pitchFamily="2" charset="-122"/>
-                        <a:cs typeface="宋体" panose="02010600030101010101" pitchFamily="2" charset="-122"/>
-                      </a:endParaRPr>
                     </a:p>
                   </a:txBody>
                   <a:tcPr marL="0" marR="0" marT="0" marB="0" anchor="ctr">
@@ -12471,14 +11927,6 @@
                         </a:rPr>
                         <a:t>监控以涨停价或接近涨停价格大量委托买入某证券的行为。</a:t>
                       </a:r>
-                      <a:endParaRPr lang="zh-CN" altLang="en-US" sz="1050" b="0" u="none">
-                        <a:solidFill>
-                          <a:srgbClr val="000000"/>
-                        </a:solidFill>
-                        <a:latin typeface="宋体" panose="02010600030101010101" pitchFamily="2" charset="-122"/>
-                        <a:ea typeface="宋体" panose="02010600030101010101" pitchFamily="2" charset="-122"/>
-                        <a:cs typeface="宋体" panose="02010600030101010101" pitchFamily="2" charset="-122"/>
-                      </a:endParaRPr>
                     </a:p>
                   </a:txBody>
                   <a:tcPr marL="0" marR="0" marT="0" marB="0" anchor="ctr">
@@ -12544,14 +11992,6 @@
                         </a:rPr>
                         <a:t>大单压跌停</a:t>
                       </a:r>
-                      <a:endParaRPr lang="zh-CN" altLang="en-US" sz="1100" b="0" u="none">
-                        <a:solidFill>
-                          <a:srgbClr val="000000"/>
-                        </a:solidFill>
-                        <a:latin typeface="宋体" panose="02010600030101010101" pitchFamily="2" charset="-122"/>
-                        <a:ea typeface="宋体" panose="02010600030101010101" pitchFamily="2" charset="-122"/>
-                        <a:cs typeface="宋体" panose="02010600030101010101" pitchFamily="2" charset="-122"/>
-                      </a:endParaRPr>
                     </a:p>
                   </a:txBody>
                   <a:tcPr marL="0" marR="0" marT="0" marB="0" anchor="ctr">
@@ -12615,14 +12055,6 @@
                         </a:rPr>
                         <a:t>监控以跌停价或接近涨停价格大量委托买入某证券，使该证券价格接近跌停价格</a:t>
                       </a:r>
-                      <a:endParaRPr lang="zh-CN" altLang="en-US" sz="1050" b="0" u="none">
-                        <a:solidFill>
-                          <a:srgbClr val="000000"/>
-                        </a:solidFill>
-                        <a:latin typeface="宋体" panose="02010600030101010101" pitchFamily="2" charset="-122"/>
-                        <a:ea typeface="宋体" panose="02010600030101010101" pitchFamily="2" charset="-122"/>
-                        <a:cs typeface="宋体" panose="02010600030101010101" pitchFamily="2" charset="-122"/>
-                      </a:endParaRPr>
                     </a:p>
                   </a:txBody>
                   <a:tcPr marL="0" marR="0" marT="0" marB="0" anchor="ctr">
@@ -12688,14 +12120,6 @@
                         </a:rPr>
                         <a:t>短时间内密集委托</a:t>
                       </a:r>
-                      <a:endParaRPr lang="zh-CN" altLang="en-US" sz="1100" b="0" u="none">
-                        <a:solidFill>
-                          <a:srgbClr val="000000"/>
-                        </a:solidFill>
-                        <a:latin typeface="宋体" panose="02010600030101010101" pitchFamily="2" charset="-122"/>
-                        <a:ea typeface="宋体" panose="02010600030101010101" pitchFamily="2" charset="-122"/>
-                        <a:cs typeface="宋体" panose="02010600030101010101" pitchFamily="2" charset="-122"/>
-                      </a:endParaRPr>
                     </a:p>
                   </a:txBody>
                   <a:tcPr marL="0" marR="0" marT="0" marB="0" anchor="ctr">
@@ -12759,14 +12183,6 @@
                         </a:rPr>
                         <a:t>监控短时间内，同一客户频繁委托下单</a:t>
                       </a:r>
-                      <a:endParaRPr lang="zh-CN" altLang="en-US" sz="1050" b="0" u="none">
-                        <a:solidFill>
-                          <a:srgbClr val="000000"/>
-                        </a:solidFill>
-                        <a:latin typeface="宋体" panose="02010600030101010101" pitchFamily="2" charset="-122"/>
-                        <a:ea typeface="宋体" panose="02010600030101010101" pitchFamily="2" charset="-122"/>
-                        <a:cs typeface="宋体" panose="02010600030101010101" pitchFamily="2" charset="-122"/>
-                      </a:endParaRPr>
                     </a:p>
                   </a:txBody>
                   <a:tcPr marL="0" marR="0" marT="0" marB="0" anchor="ctr">
@@ -12832,14 +12248,6 @@
                         </a:rPr>
                         <a:t>短时间内密集成交</a:t>
                       </a:r>
-                      <a:endParaRPr lang="zh-CN" altLang="en-US" sz="1100" b="0" u="none">
-                        <a:solidFill>
-                          <a:srgbClr val="000000"/>
-                        </a:solidFill>
-                        <a:latin typeface="宋体" panose="02010600030101010101" pitchFamily="2" charset="-122"/>
-                        <a:ea typeface="宋体" panose="02010600030101010101" pitchFamily="2" charset="-122"/>
-                        <a:cs typeface="宋体" panose="02010600030101010101" pitchFamily="2" charset="-122"/>
-                      </a:endParaRPr>
                     </a:p>
                   </a:txBody>
                   <a:tcPr marL="0" marR="0" marT="0" marB="0" anchor="ctr">
@@ -12903,14 +12311,6 @@
                         </a:rPr>
                         <a:t>监控短时间内，同一客户频发成交的情况</a:t>
                       </a:r>
-                      <a:endParaRPr lang="zh-CN" altLang="en-US" sz="1050" b="0" u="none">
-                        <a:solidFill>
-                          <a:srgbClr val="000000"/>
-                        </a:solidFill>
-                        <a:latin typeface="宋体" panose="02010600030101010101" pitchFamily="2" charset="-122"/>
-                        <a:ea typeface="宋体" panose="02010600030101010101" pitchFamily="2" charset="-122"/>
-                        <a:cs typeface="宋体" panose="02010600030101010101" pitchFamily="2" charset="-122"/>
-                      </a:endParaRPr>
                     </a:p>
                   </a:txBody>
                   <a:tcPr marL="0" marR="0" marT="0" marB="0" anchor="ctr">
@@ -12976,14 +12376,6 @@
                         </a:rPr>
                         <a:t>短时间内密集撤单</a:t>
                       </a:r>
-                      <a:endParaRPr lang="zh-CN" altLang="en-US" sz="1100" b="0" u="none">
-                        <a:solidFill>
-                          <a:srgbClr val="000000"/>
-                        </a:solidFill>
-                        <a:latin typeface="宋体" panose="02010600030101010101" pitchFamily="2" charset="-122"/>
-                        <a:ea typeface="宋体" panose="02010600030101010101" pitchFamily="2" charset="-122"/>
-                        <a:cs typeface="宋体" panose="02010600030101010101" pitchFamily="2" charset="-122"/>
-                      </a:endParaRPr>
                     </a:p>
                   </a:txBody>
                   <a:tcPr marL="0" marR="0" marT="0" marB="0" anchor="ctr">
@@ -13047,14 +12439,6 @@
                         </a:rPr>
                         <a:t>监控短时间内，同一客户频繁撤单操作</a:t>
                       </a:r>
-                      <a:endParaRPr lang="zh-CN" altLang="en-US" sz="1050" b="0" u="none">
-                        <a:solidFill>
-                          <a:srgbClr val="000000"/>
-                        </a:solidFill>
-                        <a:latin typeface="宋体" panose="02010600030101010101" pitchFamily="2" charset="-122"/>
-                        <a:ea typeface="宋体" panose="02010600030101010101" pitchFamily="2" charset="-122"/>
-                        <a:cs typeface="宋体" panose="02010600030101010101" pitchFamily="2" charset="-122"/>
-                      </a:endParaRPr>
                     </a:p>
                   </a:txBody>
                   <a:tcPr marL="0" marR="0" marT="0" marB="0" anchor="ctr">
@@ -13120,14 +12504,6 @@
                         </a:rPr>
                         <a:t>当日累计大量委托</a:t>
                       </a:r>
-                      <a:endParaRPr lang="zh-CN" altLang="en-US" sz="1100" b="0" u="none">
-                        <a:solidFill>
-                          <a:srgbClr val="000000"/>
-                        </a:solidFill>
-                        <a:latin typeface="宋体" panose="02010600030101010101" pitchFamily="2" charset="-122"/>
-                        <a:ea typeface="宋体" panose="02010600030101010101" pitchFamily="2" charset="-122"/>
-                        <a:cs typeface="宋体" panose="02010600030101010101" pitchFamily="2" charset="-122"/>
-                      </a:endParaRPr>
                     </a:p>
                   </a:txBody>
                   <a:tcPr marL="0" marR="0" marT="0" marB="0" anchor="ctr">
@@ -13191,14 +12567,6 @@
                         </a:rPr>
                         <a:t>监控当日投资者大量委托买卖某证券的异常行为</a:t>
                       </a:r>
-                      <a:endParaRPr lang="zh-CN" altLang="en-US" sz="1050" b="0" u="none">
-                        <a:solidFill>
-                          <a:srgbClr val="000000"/>
-                        </a:solidFill>
-                        <a:latin typeface="宋体" panose="02010600030101010101" pitchFamily="2" charset="-122"/>
-                        <a:ea typeface="宋体" panose="02010600030101010101" pitchFamily="2" charset="-122"/>
-                        <a:cs typeface="宋体" panose="02010600030101010101" pitchFamily="2" charset="-122"/>
-                      </a:endParaRPr>
                     </a:p>
                   </a:txBody>
                   <a:tcPr marL="0" marR="0" marT="0" marB="0" anchor="ctr">
@@ -13299,9 +12667,6 @@
               </a:rPr>
               <a:t>事后风控进度</a:t>
             </a:r>
-            <a:endParaRPr lang="zh-CN" altLang="en-US" b="1" dirty="0" smtClean="0">
-              <a:sym typeface="+mn-ea"/>
-            </a:endParaRPr>
           </a:p>
           <a:p>
             <a:pPr marL="0" indent="0">
@@ -15509,12 +14874,6 @@
               </a:rPr>
               <a:t>后续计划</a:t>
             </a:r>
-            <a:endParaRPr lang="zh-CN" altLang="en-US" sz="2800" dirty="0">
-              <a:solidFill>
-                <a:schemeClr val="tx2"/>
-              </a:solidFill>
-              <a:latin typeface="宋体" panose="02010600030101010101" pitchFamily="2" charset="-122"/>
-            </a:endParaRPr>
           </a:p>
         </p:txBody>
       </p:sp>
@@ -16324,12 +15683,6 @@
               </a:rPr>
               <a:t>当前进展</a:t>
             </a:r>
-            <a:endParaRPr lang="zh-CN" altLang="en-US" sz="2800" dirty="0">
-              <a:solidFill>
-                <a:schemeClr val="tx2"/>
-              </a:solidFill>
-              <a:latin typeface="宋体" panose="02010600030101010101" pitchFamily="2" charset="-122"/>
-            </a:endParaRPr>
           </a:p>
         </p:txBody>
       </p:sp>
@@ -17167,7 +16520,6 @@
               <a:rPr lang="zh-CN" altLang="en-US" dirty="0"/>
               <a:t>背景</a:t>
             </a:r>
-            <a:endParaRPr lang="zh-CN" altLang="en-US" dirty="0"/>
           </a:p>
         </p:txBody>
       </p:sp>
@@ -17211,7 +16563,6 @@
               <a:rPr lang="zh-CN" altLang="en-US" b="1" dirty="0" smtClean="0"/>
               <a:t>监管需求</a:t>
             </a:r>
-            <a:endParaRPr lang="zh-CN" altLang="en-US" b="1" dirty="0" smtClean="0"/>
           </a:p>
           <a:p>
             <a:pPr marL="0" indent="0">
@@ -17234,12 +16585,6 @@
               </a:rPr>
               <a:t>    2015年以来，随着股市的持续火爆，中国证监会、证券业协会先后发布相关文件，要求对证券公司外部信息系统接入风险加强行业监管和自律。其中要求证券公司应当建立投资者证券、资金账户风险监测模型，动态监测账户交易行为特征、客户交易终端定位信息、账户资金进出等情况，及时发现借助信息系统外部接入、非法接入网上交易接口等方式开展的违规拆分账户、出借账户或违反账户实名制等违法违规行为线索，并及时予以处理。</a:t>
             </a:r>
-            <a:endParaRPr lang="zh-CN" altLang="en-US" sz="1600" dirty="0" smtClean="0">
-              <a:solidFill>
-                <a:srgbClr val="0C0C0C"/>
-              </a:solidFill>
-              <a:latin typeface="宋体" panose="02010600030101010101" pitchFamily="2" charset="-122"/>
-            </a:endParaRPr>
           </a:p>
           <a:p>
             <a:pPr marL="0" indent="0">
@@ -17286,7 +16631,6 @@
               <a:rPr lang="zh-CN" altLang="en-US" sz="1600" b="1" dirty="0" smtClean="0"/>
               <a:t>建设目标</a:t>
             </a:r>
-            <a:endParaRPr lang="zh-CN" altLang="en-US" sz="1600" b="1" dirty="0" smtClean="0"/>
           </a:p>
           <a:p>
             <a:pPr marL="0" indent="0">
@@ -17471,7 +16815,6 @@
               <a:rPr lang="zh-CN" altLang="en-US" dirty="0" smtClean="0"/>
               <a:t>事前风控监控</a:t>
             </a:r>
-            <a:endParaRPr lang="zh-CN" altLang="en-US" dirty="0" smtClean="0"/>
           </a:p>
         </p:txBody>
       </p:sp>
@@ -17515,7 +16858,6 @@
               <a:rPr lang="zh-CN" altLang="en-US" b="1" dirty="0" smtClean="0"/>
               <a:t>场景</a:t>
             </a:r>
-            <a:endParaRPr lang="zh-CN" altLang="en-US" b="1" dirty="0" smtClean="0"/>
           </a:p>
           <a:p>
             <a:pPr marL="0" indent="0">
@@ -17574,7 +16916,6 @@
               <a:rPr lang="zh-CN" altLang="en-US" b="1" dirty="0" smtClean="0"/>
               <a:t>特点</a:t>
             </a:r>
-            <a:endParaRPr lang="zh-CN" altLang="en-US" b="1" dirty="0" smtClean="0"/>
           </a:p>
           <a:p>
             <a:pPr marL="0" indent="0">
@@ -17607,13 +16948,6 @@
               </a:rPr>
               <a:t>与交易系统耦合极高</a:t>
             </a:r>
-            <a:endParaRPr lang="zh-CN" altLang="en-US" sz="1600" dirty="0">
-              <a:solidFill>
-                <a:srgbClr val="0C0C0C"/>
-              </a:solidFill>
-              <a:latin typeface="宋体" panose="02010600030101010101" pitchFamily="2" charset="-122"/>
-              <a:sym typeface="+mn-ea"/>
-            </a:endParaRPr>
           </a:p>
           <a:p>
             <a:pPr marL="285750" indent="-285750">
@@ -17632,12 +16966,6 @@
               </a:rPr>
               <a:t>     需要通过对所有发送到交易系统的指令进行拦截，并进行筛选，通过监控的重新放回请求队列，不通过的直接拒绝。</a:t>
             </a:r>
-            <a:endParaRPr lang="zh-CN" altLang="en-US" sz="1600" dirty="0">
-              <a:solidFill>
-                <a:srgbClr val="0C0C0C"/>
-              </a:solidFill>
-              <a:latin typeface="宋体" panose="02010600030101010101" pitchFamily="2" charset="-122"/>
-            </a:endParaRPr>
           </a:p>
           <a:p>
             <a:pPr marL="0" indent="0">
@@ -17660,12 +16988,6 @@
               </a:rPr>
               <a:t>   2、低延时、高可靠性要求</a:t>
             </a:r>
-            <a:endParaRPr lang="en-US" altLang="zh-CN" sz="1600" dirty="0" smtClean="0">
-              <a:solidFill>
-                <a:srgbClr val="0C0C0C"/>
-              </a:solidFill>
-              <a:latin typeface="宋体" panose="02010600030101010101" pitchFamily="2" charset="-122"/>
-            </a:endParaRPr>
           </a:p>
           <a:p>
             <a:pPr marL="285750" indent="-285750">
@@ -17684,12 +17006,6 @@
               </a:rPr>
               <a:t>     由于事前风控会对所有交易指令进行过滤，对可靠性要求与交易系统一致。</a:t>
             </a:r>
-            <a:endParaRPr lang="zh-CN" altLang="en-US" sz="1600" dirty="0">
-              <a:solidFill>
-                <a:srgbClr val="0C0C0C"/>
-              </a:solidFill>
-              <a:latin typeface="宋体" panose="02010600030101010101" pitchFamily="2" charset="-122"/>
-            </a:endParaRPr>
           </a:p>
         </p:txBody>
       </p:sp>
@@ -17777,7 +17093,6 @@
               <a:rPr lang="zh-CN" altLang="en-US" dirty="0" smtClean="0"/>
               <a:t>事前风控监控</a:t>
             </a:r>
-            <a:endParaRPr lang="zh-CN" altLang="en-US" dirty="0" smtClean="0"/>
           </a:p>
         </p:txBody>
       </p:sp>
@@ -17821,7 +17136,6 @@
               <a:rPr lang="zh-CN" altLang="en-US" b="1" dirty="0" smtClean="0"/>
               <a:t>流程图</a:t>
             </a:r>
-            <a:endParaRPr lang="zh-CN" altLang="en-US" b="1" dirty="0" smtClean="0"/>
           </a:p>
           <a:p>
             <a:pPr marL="0" indent="0">
@@ -17867,12 +17181,12 @@
           <a:graphicData uri="http://schemas.openxmlformats.org/presentationml/2006/ole">
             <mc:AlternateContent xmlns:mc="http://schemas.openxmlformats.org/markup-compatibility/2006">
               <mc:Choice xmlns:v="urn:schemas-microsoft-com:vml" Requires="v">
-                <p:oleObj spid="_x0000_s1034" name="Visio" r:id="rId1" imgW="5207000" imgH="5715000" progId="Visio.Drawing.15">
+                <p:oleObj spid="_x0000_s1037" name="Visio" r:id="rId3" imgW="5207000" imgH="5715000" progId="Visio.Drawing.15">
                   <p:embed/>
                 </p:oleObj>
               </mc:Choice>
               <mc:Fallback>
-                <p:oleObj name="Visio" r:id="rId1" imgW="5207000" imgH="5715000" progId="Visio.Drawing.15">
+                <p:oleObj name="Visio" r:id="rId3" imgW="5207000" imgH="5715000" progId="Visio.Drawing.15">
                   <p:embed/>
                   <p:pic>
                     <p:nvPicPr>
@@ -17881,7 +17195,7 @@
                       <p:nvPr/>
                     </p:nvPicPr>
                     <p:blipFill>
-                      <a:blip r:embed="rId2"/>
+                      <a:blip r:embed="rId4"/>
                       <a:stretch>
                         <a:fillRect/>
                       </a:stretch>
@@ -17986,7 +17300,6 @@
               <a:rPr lang="zh-CN" altLang="en-US" dirty="0" smtClean="0"/>
               <a:t>事中风控监控</a:t>
             </a:r>
-            <a:endParaRPr lang="zh-CN" altLang="en-US" dirty="0" smtClean="0"/>
           </a:p>
         </p:txBody>
       </p:sp>
@@ -18030,7 +17343,6 @@
               <a:rPr lang="zh-CN" altLang="en-US" b="1" dirty="0" smtClean="0"/>
               <a:t>场景</a:t>
             </a:r>
-            <a:endParaRPr lang="zh-CN" altLang="en-US" b="1" dirty="0" smtClean="0"/>
           </a:p>
           <a:p>
             <a:pPr marL="0" indent="0">
@@ -18080,12 +17392,6 @@
               </a:rPr>
               <a:t>交易指令在提交给交易系统进行处理的同时，旁路同样的指令到事中风控子系统进行分析处理；当触发事中风控规则后，系统自动进行报警，由人工进行处置。事中风控一般需要在短时间内（50ms以内）对交易数据做出分析结果。</a:t>
             </a:r>
-            <a:endParaRPr sz="1600" dirty="0">
-              <a:solidFill>
-                <a:srgbClr val="0C0C0C"/>
-              </a:solidFill>
-              <a:latin typeface="宋体" panose="02010600030101010101" pitchFamily="2" charset="-122"/>
-            </a:endParaRPr>
           </a:p>
           <a:p>
             <a:pPr marL="0" indent="0">
@@ -18122,7 +17428,6 @@
               <a:rPr lang="zh-CN" altLang="en-US" b="1" dirty="0" smtClean="0"/>
               <a:t>应用</a:t>
             </a:r>
-            <a:endParaRPr lang="zh-CN" altLang="en-US" b="1" dirty="0" smtClean="0"/>
           </a:p>
           <a:p>
             <a:pPr marL="0" indent="0">
@@ -18145,12 +17450,6 @@
               </a:rPr>
               <a:t>   1、对于经评估和实际验证合格的特定接入渠道和特定投资者，公司与其签署专项交易风险管理协议，并通过事中风控子系统对其交易行为实时监控。</a:t>
             </a:r>
-            <a:endParaRPr sz="1600" dirty="0">
-              <a:solidFill>
-                <a:srgbClr val="0C0C0C"/>
-              </a:solidFill>
-              <a:latin typeface="宋体" panose="02010600030101010101" pitchFamily="2" charset="-122"/>
-            </a:endParaRPr>
           </a:p>
           <a:p>
             <a:pPr marL="0" indent="0">
@@ -18173,12 +17472,6 @@
               </a:rPr>
               <a:t>   2、针对所有用户，可对其在单个业务交易系统或者多个业务交易系统（一般是指集中交易和融资融券业务）上的交易行为实时监控。</a:t>
             </a:r>
-            <a:endParaRPr lang="en-US" altLang="zh-CN" sz="1600" dirty="0">
-              <a:solidFill>
-                <a:srgbClr val="0C0C0C"/>
-              </a:solidFill>
-              <a:latin typeface="宋体" panose="02010600030101010101" pitchFamily="2" charset="-122"/>
-            </a:endParaRPr>
           </a:p>
         </p:txBody>
       </p:sp>
@@ -18266,7 +17559,6 @@
               <a:rPr lang="zh-CN" altLang="en-US" dirty="0" smtClean="0"/>
               <a:t>事中风控监控</a:t>
             </a:r>
-            <a:endParaRPr lang="zh-CN" altLang="en-US" dirty="0" smtClean="0"/>
           </a:p>
         </p:txBody>
       </p:sp>
@@ -18310,7 +17602,6 @@
               <a:rPr lang="zh-CN" altLang="en-US" b="1" dirty="0" smtClean="0"/>
               <a:t>特点</a:t>
             </a:r>
-            <a:endParaRPr lang="zh-CN" altLang="en-US" b="1" dirty="0" smtClean="0"/>
           </a:p>
           <a:p>
             <a:pPr marL="0" indent="0">
@@ -18333,12 +17624,6 @@
               </a:rPr>
               <a:t>   1、与交易系统耦合低</a:t>
             </a:r>
-            <a:endParaRPr sz="1600" dirty="0">
-              <a:solidFill>
-                <a:srgbClr val="0C0C0C"/>
-              </a:solidFill>
-              <a:latin typeface="宋体" panose="02010600030101010101" pitchFamily="2" charset="-122"/>
-            </a:endParaRPr>
           </a:p>
           <a:p>
             <a:pPr marL="0" indent="0">
@@ -18361,12 +17646,6 @@
               </a:rPr>
               <a:t>      通过旁路的方式接入到交易系统中，对交易系统的耦合相对较低。</a:t>
             </a:r>
-            <a:endParaRPr sz="1600" dirty="0">
-              <a:solidFill>
-                <a:srgbClr val="0C0C0C"/>
-              </a:solidFill>
-              <a:latin typeface="宋体" panose="02010600030101010101" pitchFamily="2" charset="-122"/>
-            </a:endParaRPr>
           </a:p>
           <a:p>
             <a:pPr marL="0" indent="0">
@@ -18389,12 +17668,6 @@
               </a:rPr>
               <a:t>   2、可实现相对复杂的风控处理规则</a:t>
             </a:r>
-            <a:endParaRPr sz="1600" dirty="0">
-              <a:solidFill>
-                <a:srgbClr val="0C0C0C"/>
-              </a:solidFill>
-              <a:latin typeface="宋体" panose="02010600030101010101" pitchFamily="2" charset="-122"/>
-            </a:endParaRPr>
           </a:p>
           <a:p>
             <a:pPr marL="0" indent="0">
@@ -18431,7 +17704,6 @@
               <a:rPr lang="zh-CN" altLang="en-US" b="1" dirty="0" smtClean="0"/>
               <a:t>示例风控规则</a:t>
             </a:r>
-            <a:endParaRPr lang="zh-CN" altLang="en-US" b="1" dirty="0" smtClean="0"/>
           </a:p>
           <a:p>
             <a:pPr marL="0" indent="0">
@@ -18503,14 +17775,6 @@
                         </a:rPr>
                         <a:t>风控规则</a:t>
                       </a:r>
-                      <a:endParaRPr lang="zh-CN" altLang="en-US" sz="1000" b="0" u="none">
-                        <a:solidFill>
-                          <a:srgbClr val="000000"/>
-                        </a:solidFill>
-                        <a:latin typeface="宋体" panose="02010600030101010101" pitchFamily="2" charset="-122"/>
-                        <a:ea typeface="宋体" panose="02010600030101010101" pitchFamily="2" charset="-122"/>
-                        <a:cs typeface="宋体" panose="02010600030101010101" pitchFamily="2" charset="-122"/>
-                      </a:endParaRPr>
                     </a:p>
                   </a:txBody>
                   <a:tcPr marL="0" marR="0" marT="0" marB="1" anchor="ctr">
@@ -18574,14 +17838,6 @@
                         </a:rPr>
                         <a:t>规则解释</a:t>
                       </a:r>
-                      <a:endParaRPr lang="zh-CN" altLang="en-US" sz="1000" b="0" u="none">
-                        <a:solidFill>
-                          <a:srgbClr val="000000"/>
-                        </a:solidFill>
-                        <a:latin typeface="宋体" panose="02010600030101010101" pitchFamily="2" charset="-122"/>
-                        <a:ea typeface="宋体" panose="02010600030101010101" pitchFamily="2" charset="-122"/>
-                        <a:cs typeface="宋体" panose="02010600030101010101" pitchFamily="2" charset="-122"/>
-                      </a:endParaRPr>
                     </a:p>
                   </a:txBody>
                   <a:tcPr marL="0" marR="0" marT="0" marB="1" anchor="ctr">
@@ -18650,17 +17906,6 @@
                         </a:rPr>
                         <a:t>连续竞价期间频繁虚假申报</a:t>
                       </a:r>
-                      <a:endParaRPr lang="zh-CN" altLang="en-US" sz="1000" b="0" u="none">
-                        <a:solidFill>
-                          <a:srgbClr val="000000"/>
-                        </a:solidFill>
-                        <a:highlight>
-                          <a:srgbClr val="FFFFFF"/>
-                        </a:highlight>
-                        <a:latin typeface="宋体" panose="02010600030101010101" pitchFamily="2" charset="-122"/>
-                        <a:ea typeface="宋体" panose="02010600030101010101" pitchFamily="2" charset="-122"/>
-                        <a:cs typeface="宋体" panose="02010600030101010101" pitchFamily="2" charset="-122"/>
-                      </a:endParaRPr>
                     </a:p>
                   </a:txBody>
                   <a:tcPr marL="0" marR="0" marT="0" marB="1" anchor="ctr">
@@ -18729,17 +17974,6 @@
                         </a:rPr>
                         <a:t>监控委托流水中，大单委托某证券，但频繁撤单的行为。</a:t>
                       </a:r>
-                      <a:endParaRPr lang="zh-CN" altLang="en-US" sz="1000" b="0" u="none">
-                        <a:solidFill>
-                          <a:srgbClr val="000000"/>
-                        </a:solidFill>
-                        <a:highlight>
-                          <a:srgbClr val="FFFFFF"/>
-                        </a:highlight>
-                        <a:latin typeface="宋体" panose="02010600030101010101" pitchFamily="2" charset="-122"/>
-                        <a:ea typeface="宋体" panose="02010600030101010101" pitchFamily="2" charset="-122"/>
-                        <a:cs typeface="宋体" panose="02010600030101010101" pitchFamily="2" charset="-122"/>
-                      </a:endParaRPr>
                     </a:p>
                   </a:txBody>
                   <a:tcPr marL="0" marR="0" marT="0" marB="1" anchor="ctr">
@@ -18810,17 +18044,6 @@
                         </a:rPr>
                         <a:t>盘中异常申报（拉抬打压）</a:t>
                       </a:r>
-                      <a:endParaRPr lang="zh-CN" altLang="en-US" sz="1000" b="0" u="none">
-                        <a:solidFill>
-                          <a:srgbClr val="000000"/>
-                        </a:solidFill>
-                        <a:highlight>
-                          <a:srgbClr val="FFFFFF"/>
-                        </a:highlight>
-                        <a:latin typeface="宋体" panose="02010600030101010101" pitchFamily="2" charset="-122"/>
-                        <a:ea typeface="宋体" panose="02010600030101010101" pitchFamily="2" charset="-122"/>
-                        <a:cs typeface="宋体" panose="02010600030101010101" pitchFamily="2" charset="-122"/>
-                      </a:endParaRPr>
                     </a:p>
                   </a:txBody>
                   <a:tcPr marL="0" marR="0" marT="0" marB="1" anchor="ctr">
@@ -18945,17 +18168,6 @@
                         </a:rPr>
                         <a:t>，造成股价大幅上涨或下跌的情况。</a:t>
                       </a:r>
-                      <a:endParaRPr lang="zh-CN" altLang="en-US" sz="1000" b="0" u="none">
-                        <a:solidFill>
-                          <a:srgbClr val="000000"/>
-                        </a:solidFill>
-                        <a:highlight>
-                          <a:srgbClr val="FFFFFF"/>
-                        </a:highlight>
-                        <a:latin typeface="宋体" panose="02010600030101010101" pitchFamily="2" charset="-122"/>
-                        <a:ea typeface="宋体" panose="02010600030101010101" pitchFamily="2" charset="-122"/>
-                        <a:cs typeface="宋体" panose="02010600030101010101" pitchFamily="2" charset="-122"/>
-                      </a:endParaRPr>
                     </a:p>
                   </a:txBody>
                   <a:tcPr marL="0" marR="0" marT="0" marB="1" anchor="ctr">
@@ -19026,17 +18238,6 @@
                         </a:rPr>
                         <a:t>大单拉涨停</a:t>
                       </a:r>
-                      <a:endParaRPr lang="zh-CN" altLang="en-US" sz="1000" b="0" u="none">
-                        <a:solidFill>
-                          <a:srgbClr val="000000"/>
-                        </a:solidFill>
-                        <a:highlight>
-                          <a:srgbClr val="FFFFFF"/>
-                        </a:highlight>
-                        <a:latin typeface="宋体" panose="02010600030101010101" pitchFamily="2" charset="-122"/>
-                        <a:ea typeface="宋体" panose="02010600030101010101" pitchFamily="2" charset="-122"/>
-                        <a:cs typeface="宋体" panose="02010600030101010101" pitchFamily="2" charset="-122"/>
-                      </a:endParaRPr>
                     </a:p>
                   </a:txBody>
                   <a:tcPr marL="0" marR="0" marT="0" marB="1" anchor="ctr">
@@ -19105,17 +18306,6 @@
                         </a:rPr>
                         <a:t>监控以涨停价或接近涨停价格大量委托买入某证券的行为。</a:t>
                       </a:r>
-                      <a:endParaRPr lang="zh-CN" altLang="en-US" sz="1000" b="0" u="none">
-                        <a:solidFill>
-                          <a:srgbClr val="000000"/>
-                        </a:solidFill>
-                        <a:highlight>
-                          <a:srgbClr val="FFFFFF"/>
-                        </a:highlight>
-                        <a:latin typeface="宋体" panose="02010600030101010101" pitchFamily="2" charset="-122"/>
-                        <a:ea typeface="宋体" panose="02010600030101010101" pitchFamily="2" charset="-122"/>
-                        <a:cs typeface="宋体" panose="02010600030101010101" pitchFamily="2" charset="-122"/>
-                      </a:endParaRPr>
                     </a:p>
                   </a:txBody>
                   <a:tcPr marL="0" marR="0" marT="0" marB="1" anchor="ctr">
@@ -19251,7 +18441,6 @@
               <a:rPr lang="zh-CN" altLang="en-US" dirty="0" smtClean="0"/>
               <a:t>事中风控监控</a:t>
             </a:r>
-            <a:endParaRPr lang="zh-CN" altLang="en-US" dirty="0" smtClean="0"/>
           </a:p>
         </p:txBody>
       </p:sp>
@@ -19295,7 +18484,6 @@
               <a:rPr lang="zh-CN" altLang="en-US" b="1" dirty="0" smtClean="0"/>
               <a:t>流程图</a:t>
             </a:r>
-            <a:endParaRPr lang="zh-CN" altLang="en-US" b="1" dirty="0" smtClean="0"/>
           </a:p>
           <a:p>
             <a:pPr marL="0" indent="0">
@@ -19341,12 +18529,12 @@
           <a:graphicData uri="http://schemas.openxmlformats.org/presentationml/2006/ole">
             <mc:AlternateContent xmlns:mc="http://schemas.openxmlformats.org/markup-compatibility/2006">
               <mc:Choice xmlns:v="urn:schemas-microsoft-com:vml" Requires="v">
-                <p:oleObj spid="_x0000_s2058" name="Visio" r:id="rId1" imgW="6870700" imgH="7035800" progId="Visio.Drawing.15">
+                <p:oleObj spid="_x0000_s2061" name="Visio" r:id="rId3" imgW="6870700" imgH="7035800" progId="Visio.Drawing.15">
                   <p:embed/>
                 </p:oleObj>
               </mc:Choice>
               <mc:Fallback>
-                <p:oleObj name="Visio" r:id="rId1" imgW="6870700" imgH="7035800" progId="Visio.Drawing.15">
+                <p:oleObj name="Visio" r:id="rId3" imgW="6870700" imgH="7035800" progId="Visio.Drawing.15">
                   <p:embed/>
                   <p:pic>
                     <p:nvPicPr>
@@ -19355,7 +18543,7 @@
                       <p:nvPr/>
                     </p:nvPicPr>
                     <p:blipFill>
-                      <a:blip r:embed="rId2"/>
+                      <a:blip r:embed="rId4"/>
                       <a:stretch>
                         <a:fillRect/>
                       </a:stretch>
@@ -19460,7 +18648,6 @@
               <a:rPr lang="zh-CN" altLang="en-US" dirty="0" smtClean="0"/>
               <a:t>事后风控监控</a:t>
             </a:r>
-            <a:endParaRPr lang="zh-CN" altLang="en-US" dirty="0" smtClean="0"/>
           </a:p>
         </p:txBody>
       </p:sp>
@@ -19504,7 +18691,6 @@
               <a:rPr lang="zh-CN" altLang="en-US" b="1" dirty="0" smtClean="0"/>
               <a:t>场景</a:t>
             </a:r>
-            <a:endParaRPr lang="zh-CN" altLang="en-US" b="1" dirty="0" smtClean="0"/>
           </a:p>
           <a:p>
             <a:pPr marL="0" indent="0">
@@ -19546,12 +18732,6 @@
               </a:rPr>
               <a:t>处理，这些风险模型需要通过多维度、较长时间的数据（如最近一个月的数据）进行分析，发现可疑的异常交易行为。</a:t>
             </a:r>
-            <a:endParaRPr sz="1600" dirty="0">
-              <a:solidFill>
-                <a:srgbClr val="0C0C0C"/>
-              </a:solidFill>
-              <a:latin typeface="宋体" panose="02010600030101010101" pitchFamily="2" charset="-122"/>
-            </a:endParaRPr>
           </a:p>
           <a:p>
             <a:pPr marL="0" indent="0">
@@ -19653,13 +18833,6 @@
               </a:rPr>
               <a:t>）构建实现。</a:t>
             </a:r>
-            <a:endParaRPr lang="zh-CN" altLang="en-US" sz="1600" dirty="0">
-              <a:solidFill>
-                <a:srgbClr val="0C0C0C"/>
-              </a:solidFill>
-              <a:latin typeface="宋体" panose="02010600030101010101" pitchFamily="2" charset="-122"/>
-              <a:sym typeface="+mn-ea"/>
-            </a:endParaRPr>
           </a:p>
           <a:p>
             <a:pPr marL="0" indent="0">
@@ -19696,7 +18869,6 @@
               <a:rPr lang="zh-CN" altLang="en-US" b="1" dirty="0" smtClean="0"/>
               <a:t>特点</a:t>
             </a:r>
-            <a:endParaRPr lang="zh-CN" altLang="en-US" b="1" dirty="0" smtClean="0"/>
           </a:p>
           <a:p>
             <a:pPr marL="0" indent="0">
@@ -19765,12 +18937,6 @@
               </a:rPr>
               <a:t>支持复杂的风控模型及决策系统</a:t>
             </a:r>
-            <a:endParaRPr lang="zh-CN" sz="1600" dirty="0">
-              <a:solidFill>
-                <a:srgbClr val="0C0C0C"/>
-              </a:solidFill>
-              <a:latin typeface="宋体" panose="02010600030101010101" pitchFamily="2" charset="-122"/>
-            </a:endParaRPr>
           </a:p>
           <a:p>
             <a:pPr marL="285750" indent="-285750">
@@ -19827,7 +18993,7 @@
         </p:nvGraphicFramePr>
         <p:xfrm>
           <a:off x="2624455" y="5431155"/>
-          <a:ext cx="5163820" cy="965200"/>
+          <a:ext cx="5163820" cy="965202"/>
         </p:xfrm>
         <a:graphic>
           <a:graphicData uri="http://schemas.openxmlformats.org/drawingml/2006/table">
@@ -19859,14 +19025,6 @@
                         </a:rPr>
                         <a:t>风控规则</a:t>
                       </a:r>
-                      <a:endParaRPr lang="zh-CN" altLang="en-US" sz="1000" b="0" u="none" dirty="0">
-                        <a:solidFill>
-                          <a:srgbClr val="000000"/>
-                        </a:solidFill>
-                        <a:latin typeface="宋体" panose="02010600030101010101" pitchFamily="2" charset="-122"/>
-                        <a:ea typeface="宋体" panose="02010600030101010101" pitchFamily="2" charset="-122"/>
-                        <a:cs typeface="宋体" panose="02010600030101010101" pitchFamily="2" charset="-122"/>
-                      </a:endParaRPr>
                     </a:p>
                   </a:txBody>
                   <a:tcPr marL="0" marR="0" marT="0" marB="1" anchor="ctr">
@@ -19930,14 +19088,6 @@
                         </a:rPr>
                         <a:t>规则解释</a:t>
                       </a:r>
-                      <a:endParaRPr lang="zh-CN" altLang="en-US" sz="1000" b="0" u="none" dirty="0">
-                        <a:solidFill>
-                          <a:srgbClr val="000000"/>
-                        </a:solidFill>
-                        <a:latin typeface="宋体" panose="02010600030101010101" pitchFamily="2" charset="-122"/>
-                        <a:ea typeface="宋体" panose="02010600030101010101" pitchFamily="2" charset="-122"/>
-                        <a:cs typeface="宋体" panose="02010600030101010101" pitchFamily="2" charset="-122"/>
-                      </a:endParaRPr>
                     </a:p>
                   </a:txBody>
                   <a:tcPr marL="0" marR="0" marT="0" marB="1" anchor="ctr">
@@ -20006,17 +19156,6 @@
                         </a:rPr>
                         <a:t>交易行为特征背离</a:t>
                       </a:r>
-                      <a:endParaRPr lang="zh-CN" altLang="en-US" sz="1000" b="0" u="none">
-                        <a:solidFill>
-                          <a:srgbClr val="000000"/>
-                        </a:solidFill>
-                        <a:highlight>
-                          <a:srgbClr val="FFFFFF"/>
-                        </a:highlight>
-                        <a:latin typeface="宋体" panose="02010600030101010101" pitchFamily="2" charset="-122"/>
-                        <a:ea typeface="宋体" panose="02010600030101010101" pitchFamily="2" charset="-122"/>
-                        <a:cs typeface="宋体" panose="02010600030101010101" pitchFamily="2" charset="-122"/>
-                      </a:endParaRPr>
                     </a:p>
                   </a:txBody>
                   <a:tcPr marL="0" marR="0" marT="0" marB="1" anchor="ctr">
@@ -20085,17 +19224,6 @@
                         </a:rPr>
                         <a:t>监控客户交易行为特征同历史交易习惯明显背离，且交易金额达到一定金额以上账户；</a:t>
                       </a:r>
-                      <a:endParaRPr lang="zh-CN" altLang="en-US" sz="1000" b="0" u="none">
-                        <a:solidFill>
-                          <a:srgbClr val="000000"/>
-                        </a:solidFill>
-                        <a:highlight>
-                          <a:srgbClr val="FFFFFF"/>
-                        </a:highlight>
-                        <a:latin typeface="宋体" panose="02010600030101010101" pitchFamily="2" charset="-122"/>
-                        <a:ea typeface="宋体" panose="02010600030101010101" pitchFamily="2" charset="-122"/>
-                        <a:cs typeface="宋体" panose="02010600030101010101" pitchFamily="2" charset="-122"/>
-                      </a:endParaRPr>
                     </a:p>
                   </a:txBody>
                   <a:tcPr marL="0" marR="0" marT="0" marB="1" anchor="ctr">
@@ -20166,17 +19294,6 @@
                         </a:rPr>
                         <a:t>日内或隔日反向交易</a:t>
                       </a:r>
-                      <a:endParaRPr lang="zh-CN" altLang="en-US" sz="1000" b="0" u="none">
-                        <a:solidFill>
-                          <a:srgbClr val="000000"/>
-                        </a:solidFill>
-                        <a:highlight>
-                          <a:srgbClr val="FFFFFF"/>
-                        </a:highlight>
-                        <a:latin typeface="宋体" panose="02010600030101010101" pitchFamily="2" charset="-122"/>
-                        <a:ea typeface="宋体" panose="02010600030101010101" pitchFamily="2" charset="-122"/>
-                        <a:cs typeface="宋体" panose="02010600030101010101" pitchFamily="2" charset="-122"/>
-                      </a:endParaRPr>
                     </a:p>
                   </a:txBody>
                   <a:tcPr marL="0" marR="0" marT="0" marB="1" anchor="ctr">
@@ -20273,17 +19390,6 @@
                         </a:rPr>
                         <a:t>只股票，且存在日内或隔日反向交易情形。</a:t>
                       </a:r>
-                      <a:endParaRPr lang="zh-CN" altLang="en-US" sz="1000" b="0" u="none" dirty="0">
-                        <a:solidFill>
-                          <a:srgbClr val="000000"/>
-                        </a:solidFill>
-                        <a:highlight>
-                          <a:srgbClr val="FFFFFF"/>
-                        </a:highlight>
-                        <a:latin typeface="宋体" panose="02010600030101010101" pitchFamily="2" charset="-122"/>
-                        <a:ea typeface="宋体" panose="02010600030101010101" pitchFamily="2" charset="-122"/>
-                        <a:cs typeface="宋体" panose="02010600030101010101" pitchFamily="2" charset="-122"/>
-                      </a:endParaRPr>
                     </a:p>
                   </a:txBody>
                   <a:tcPr marL="0" marR="0" marT="0" marB="1" anchor="ctr">
@@ -20354,17 +19460,6 @@
                         </a:rPr>
                         <a:t>疑似证券对敲</a:t>
                       </a:r>
-                      <a:endParaRPr lang="zh-CN" altLang="en-US" sz="1000" b="0" u="none">
-                        <a:solidFill>
-                          <a:srgbClr val="000000"/>
-                        </a:solidFill>
-                        <a:highlight>
-                          <a:srgbClr val="FFFFFF"/>
-                        </a:highlight>
-                        <a:latin typeface="宋体" panose="02010600030101010101" pitchFamily="2" charset="-122"/>
-                        <a:ea typeface="宋体" panose="02010600030101010101" pitchFamily="2" charset="-122"/>
-                        <a:cs typeface="宋体" panose="02010600030101010101" pitchFamily="2" charset="-122"/>
-                      </a:endParaRPr>
                     </a:p>
                   </a:txBody>
                   <a:tcPr marL="0" marR="0" marT="0" marB="1" anchor="ctr">
@@ -20433,17 +19528,6 @@
                         </a:rPr>
                         <a:t>监控同一营业部不同客户，同时频繁买卖同一只股票</a:t>
                       </a:r>
-                      <a:endParaRPr lang="zh-CN" altLang="en-US" sz="1000" b="0" u="none">
-                        <a:solidFill>
-                          <a:srgbClr val="000000"/>
-                        </a:solidFill>
-                        <a:highlight>
-                          <a:srgbClr val="FFFFFF"/>
-                        </a:highlight>
-                        <a:latin typeface="宋体" panose="02010600030101010101" pitchFamily="2" charset="-122"/>
-                        <a:ea typeface="宋体" panose="02010600030101010101" pitchFamily="2" charset="-122"/>
-                        <a:cs typeface="宋体" panose="02010600030101010101" pitchFamily="2" charset="-122"/>
-                      </a:endParaRPr>
                     </a:p>
                   </a:txBody>
                   <a:tcPr marL="0" marR="0" marT="0" marB="1" anchor="ctr">
